--- a/.gitbook/assets/chapter-05-kor.pptx
+++ b/.gitbook/assets/chapter-05-kor.pptx
@@ -5,10 +5,10 @@
     <p:sldMasterId id="2147484296" r:id="rId1"/>
   </p:sldMasterIdLst>
   <p:notesMasterIdLst>
-    <p:notesMasterId r:id="rId19"/>
+    <p:notesMasterId r:id="rId18"/>
   </p:notesMasterIdLst>
   <p:handoutMasterIdLst>
-    <p:handoutMasterId r:id="rId20"/>
+    <p:handoutMasterId r:id="rId19"/>
   </p:handoutMasterIdLst>
   <p:sldIdLst>
     <p:sldId id="345" r:id="rId2"/>
@@ -19,15 +19,14 @@
     <p:sldId id="353" r:id="rId7"/>
     <p:sldId id="355" r:id="rId8"/>
     <p:sldId id="360" r:id="rId9"/>
-    <p:sldId id="369" r:id="rId10"/>
-    <p:sldId id="359" r:id="rId11"/>
-    <p:sldId id="362" r:id="rId12"/>
-    <p:sldId id="361" r:id="rId13"/>
-    <p:sldId id="363" r:id="rId14"/>
-    <p:sldId id="364" r:id="rId15"/>
-    <p:sldId id="367" r:id="rId16"/>
-    <p:sldId id="365" r:id="rId17"/>
-    <p:sldId id="368" r:id="rId18"/>
+    <p:sldId id="359" r:id="rId10"/>
+    <p:sldId id="362" r:id="rId11"/>
+    <p:sldId id="361" r:id="rId12"/>
+    <p:sldId id="363" r:id="rId13"/>
+    <p:sldId id="364" r:id="rId14"/>
+    <p:sldId id="367" r:id="rId15"/>
+    <p:sldId id="365" r:id="rId16"/>
+    <p:sldId id="368" r:id="rId17"/>
   </p:sldIdLst>
   <p:sldSz cx="9144000" cy="6858000" type="screen4x3"/>
   <p:notesSz cx="10234613" cy="7104063"/>
@@ -786,7 +785,7 @@
               <a:pPr>
                 <a:defRPr/>
               </a:pPr>
-              <a:t>2020-01-12</a:t>
+              <a:t>2020-01-08</a:t>
             </a:fld>
             <a:endParaRPr lang="ko-KR" altLang="en-US"/>
           </a:p>
@@ -1243,6 +1242,36 @@
           </a:p>
         </p:txBody>
       </p:sp>
+      <p:pic>
+        <p:nvPicPr>
+          <p:cNvPr id="8" name="그림 7"/>
+          <p:cNvPicPr>
+            <a:picLocks noChangeAspect="1"/>
+          </p:cNvPicPr>
+          <p:nvPr userDrawn="1"/>
+        </p:nvPicPr>
+        <p:blipFill>
+          <a:blip r:embed="rId2" cstate="print">
+            <a:extLst>
+              <a:ext uri="{28A0092B-C50C-407E-A947-70E740481C1C}">
+                <a14:useLocalDpi xmlns:a14="http://schemas.microsoft.com/office/drawing/2010/main" val="0"/>
+              </a:ext>
+            </a:extLst>
+          </a:blip>
+          <a:stretch>
+            <a:fillRect/>
+          </a:stretch>
+        </p:blipFill>
+        <p:spPr>
+          <a:xfrm>
+            <a:off x="-108520" y="143635"/>
+            <a:ext cx="2255525" cy="1146050"/>
+          </a:xfrm>
+          <a:prstGeom prst="rect">
+            <a:avLst/>
+          </a:prstGeom>
+        </p:spPr>
+      </p:pic>
       <p:sp>
         <p:nvSpPr>
           <p:cNvPr id="71" name="정오각형 70"/>
@@ -2012,7 +2041,7 @@
               <a:pPr>
                 <a:defRPr/>
               </a:pPr>
-              <a:t>Sunday, January 12, 2020</a:t>
+              <a:t>Wednesday, January 8, 2020</a:t>
             </a:fld>
             <a:endParaRPr lang="en-US" dirty="0"/>
           </a:p>
@@ -2205,7 +2234,7 @@
               <a:pPr>
                 <a:defRPr/>
               </a:pPr>
-              <a:t>Sunday, January 12, 2020</a:t>
+              <a:t>Wednesday, January 8, 2020</a:t>
             </a:fld>
             <a:endParaRPr lang="en-US"/>
           </a:p>
@@ -2315,7 +2344,7 @@
               <a:pPr>
                 <a:defRPr/>
               </a:pPr>
-              <a:t>Sunday, January 12, 2020</a:t>
+              <a:t>Wednesday, January 8, 2020</a:t>
             </a:fld>
             <a:endParaRPr lang="en-US" dirty="0"/>
           </a:p>
@@ -2675,7 +2704,7 @@
               <a:pPr>
                 <a:defRPr/>
               </a:pPr>
-              <a:t>Sunday, January 12, 2020</a:t>
+              <a:t>Wednesday, January 8, 2020</a:t>
             </a:fld>
             <a:endParaRPr lang="en-US"/>
           </a:p>
@@ -2975,7 +3004,7 @@
               <a:pPr>
                 <a:defRPr/>
               </a:pPr>
-              <a:t>Sunday, January 12, 2020</a:t>
+              <a:t>Wednesday, January 8, 2020</a:t>
             </a:fld>
             <a:endParaRPr lang="en-US"/>
           </a:p>
@@ -3409,7 +3438,7 @@
               <a:pPr>
                 <a:defRPr/>
               </a:pPr>
-              <a:t>Sunday, January 12, 2020</a:t>
+              <a:t>Wednesday, January 8, 2020</a:t>
             </a:fld>
             <a:endParaRPr lang="en-US"/>
           </a:p>
@@ -3541,7 +3570,7 @@
               <a:pPr>
                 <a:defRPr/>
               </a:pPr>
-              <a:t>Sunday, January 12, 2020</a:t>
+              <a:t>Wednesday, January 8, 2020</a:t>
             </a:fld>
             <a:endParaRPr lang="en-US" dirty="0"/>
           </a:p>
@@ -3651,7 +3680,7 @@
               <a:pPr>
                 <a:defRPr/>
               </a:pPr>
-              <a:t>Sunday, January 12, 2020</a:t>
+              <a:t>Wednesday, January 8, 2020</a:t>
             </a:fld>
             <a:endParaRPr lang="en-US"/>
           </a:p>
@@ -3941,7 +3970,7 @@
               <a:pPr>
                 <a:defRPr/>
               </a:pPr>
-              <a:t>Sunday, January 12, 2020</a:t>
+              <a:t>Wednesday, January 8, 2020</a:t>
             </a:fld>
             <a:endParaRPr lang="en-US" dirty="0"/>
           </a:p>
@@ -4208,7 +4237,7 @@
               <a:pPr>
                 <a:defRPr/>
               </a:pPr>
-              <a:t>Sunday, January 12, 2020</a:t>
+              <a:t>Wednesday, January 8, 2020</a:t>
             </a:fld>
             <a:endParaRPr lang="en-US"/>
           </a:p>
@@ -4501,7 +4530,7 @@
               <a:pPr>
                 <a:defRPr/>
               </a:pPr>
-              <a:t>Sunday, January 12, 2020</a:t>
+              <a:t>Wednesday, January 8, 2020</a:t>
             </a:fld>
             <a:endParaRPr lang="en-US" dirty="0"/>
           </a:p>
@@ -4650,8 +4679,8 @@
         </p:nvSpPr>
         <p:spPr bwMode="auto">
           <a:xfrm>
-            <a:off x="8391012" y="6489340"/>
-            <a:ext cx="575800" cy="253916"/>
+            <a:off x="8397425" y="6489340"/>
+            <a:ext cx="569387" cy="261610"/>
           </a:xfrm>
           <a:prstGeom prst="rect">
             <a:avLst/>
@@ -4796,7 +4825,7 @@
               <a:defRPr/>
             </a:pPr>
             <a:fld id="{F60B237E-1E27-414E-981E-8B20D038C067}" type="slidenum">
-              <a:rPr lang="en-US" altLang="ko-KR" sz="1050" b="1" smtClean="0">
+              <a:rPr lang="en-US" altLang="ko-KR" sz="1050" smtClean="0">
                 <a:latin typeface="+mn-ea"/>
                 <a:ea typeface="+mn-ea"/>
               </a:rPr>
@@ -4806,16 +4835,12 @@
               <a:t>‹#›</a:t>
             </a:fld>
             <a:r>
-              <a:rPr lang="en-US" altLang="ko-KR" sz="1050" b="1" dirty="0" smtClean="0">
-                <a:latin typeface="+mn-ea"/>
-                <a:ea typeface="+mn-ea"/>
-              </a:rPr>
-              <a:t>/16</a:t>
-            </a:r>
-            <a:endParaRPr lang="en-US" altLang="ko-KR" sz="1050" b="1" dirty="0">
-              <a:latin typeface="+mn-ea"/>
-              <a:ea typeface="+mn-ea"/>
-            </a:endParaRPr>
+              <a:rPr lang="en-US" altLang="ko-KR" sz="1050" dirty="0">
+                <a:latin typeface="+mn-ea"/>
+                <a:ea typeface="+mn-ea"/>
+              </a:rPr>
+              <a:t>/31</a:t>
+            </a:r>
           </a:p>
         </p:txBody>
       </p:sp>
@@ -5367,990 +5392,6 @@
           <a:p>
             <a:r>
               <a:rPr lang="en-US" altLang="ko-KR" dirty="0"/>
-              <a:t>2. </a:t>
-            </a:r>
-            <a:r>
-              <a:rPr lang="ko-KR" altLang="en-US" dirty="0"/>
-              <a:t>지수분포</a:t>
-            </a:r>
-          </a:p>
-        </p:txBody>
-      </p:sp>
-      <p:sp>
-        <p:nvSpPr>
-          <p:cNvPr id="4" name="내용 개체 틀 2"/>
-          <p:cNvSpPr txBox="1">
-            <a:spLocks/>
-          </p:cNvSpPr>
-          <p:nvPr/>
-        </p:nvSpPr>
-        <p:spPr>
-          <a:xfrm>
-            <a:off x="476545" y="1314450"/>
-            <a:ext cx="8415338" cy="4781550"/>
-          </a:xfrm>
-          <a:prstGeom prst="rect">
-            <a:avLst/>
-          </a:prstGeom>
-        </p:spPr>
-        <p:txBody>
-          <a:bodyPr vert="horz" lIns="91440" tIns="45720" rIns="91440" bIns="45720" rtlCol="0">
-            <a:normAutofit/>
-          </a:bodyPr>
-          <a:lstStyle>
-            <a:lvl1pPr marL="342900" indent="-342900" algn="l" defTabSz="914400" rtl="0" eaLnBrk="1" latinLnBrk="1" hangingPunct="1">
-              <a:spcBef>
-                <a:spcPct val="20000"/>
-              </a:spcBef>
-              <a:buFont typeface="Arial" pitchFamily="34" charset="0"/>
-              <a:buChar char="•"/>
-              <a:defRPr sz="3200" kern="1200">
-                <a:solidFill>
-                  <a:schemeClr val="tx1"/>
-                </a:solidFill>
-                <a:latin typeface="+mn-lt"/>
-                <a:ea typeface="+mn-ea"/>
-                <a:cs typeface="+mn-cs"/>
-              </a:defRPr>
-            </a:lvl1pPr>
-            <a:lvl2pPr marL="742950" indent="-285750" algn="l" defTabSz="914400" rtl="0" eaLnBrk="1" latinLnBrk="1" hangingPunct="1">
-              <a:spcBef>
-                <a:spcPct val="20000"/>
-              </a:spcBef>
-              <a:buFont typeface="Arial" pitchFamily="34" charset="0"/>
-              <a:buChar char="–"/>
-              <a:defRPr sz="2800" kern="1200">
-                <a:solidFill>
-                  <a:schemeClr val="tx1"/>
-                </a:solidFill>
-                <a:latin typeface="+mn-lt"/>
-                <a:ea typeface="+mn-ea"/>
-                <a:cs typeface="+mn-cs"/>
-              </a:defRPr>
-            </a:lvl2pPr>
-            <a:lvl3pPr marL="1143000" indent="-228600" algn="l" defTabSz="914400" rtl="0" eaLnBrk="1" latinLnBrk="1" hangingPunct="1">
-              <a:spcBef>
-                <a:spcPct val="20000"/>
-              </a:spcBef>
-              <a:buFont typeface="Arial" pitchFamily="34" charset="0"/>
-              <a:buChar char="•"/>
-              <a:defRPr sz="2400" kern="1200">
-                <a:solidFill>
-                  <a:schemeClr val="tx1"/>
-                </a:solidFill>
-                <a:latin typeface="+mn-lt"/>
-                <a:ea typeface="+mn-ea"/>
-                <a:cs typeface="+mn-cs"/>
-              </a:defRPr>
-            </a:lvl3pPr>
-            <a:lvl4pPr marL="1600200" indent="-228600" algn="l" defTabSz="914400" rtl="0" eaLnBrk="1" latinLnBrk="1" hangingPunct="1">
-              <a:spcBef>
-                <a:spcPct val="20000"/>
-              </a:spcBef>
-              <a:buFont typeface="Arial" pitchFamily="34" charset="0"/>
-              <a:buChar char="–"/>
-              <a:defRPr sz="2000" kern="1200">
-                <a:solidFill>
-                  <a:schemeClr val="tx1"/>
-                </a:solidFill>
-                <a:latin typeface="+mn-lt"/>
-                <a:ea typeface="+mn-ea"/>
-                <a:cs typeface="+mn-cs"/>
-              </a:defRPr>
-            </a:lvl4pPr>
-            <a:lvl5pPr marL="2057400" indent="-228600" algn="l" defTabSz="914400" rtl="0" eaLnBrk="1" latinLnBrk="1" hangingPunct="1">
-              <a:spcBef>
-                <a:spcPct val="20000"/>
-              </a:spcBef>
-              <a:buFont typeface="Arial" pitchFamily="34" charset="0"/>
-              <a:buChar char="»"/>
-              <a:defRPr sz="2000" kern="1200">
-                <a:solidFill>
-                  <a:schemeClr val="tx1"/>
-                </a:solidFill>
-                <a:latin typeface="+mn-lt"/>
-                <a:ea typeface="+mn-ea"/>
-                <a:cs typeface="+mn-cs"/>
-              </a:defRPr>
-            </a:lvl5pPr>
-            <a:lvl6pPr marL="2514600" indent="-228600" algn="l" defTabSz="914400" rtl="0" eaLnBrk="1" latinLnBrk="1" hangingPunct="1">
-              <a:spcBef>
-                <a:spcPct val="20000"/>
-              </a:spcBef>
-              <a:buFont typeface="Arial" pitchFamily="34" charset="0"/>
-              <a:buChar char="•"/>
-              <a:defRPr sz="2000" kern="1200">
-                <a:solidFill>
-                  <a:schemeClr val="tx1"/>
-                </a:solidFill>
-                <a:latin typeface="+mn-lt"/>
-                <a:ea typeface="+mn-ea"/>
-                <a:cs typeface="+mn-cs"/>
-              </a:defRPr>
-            </a:lvl6pPr>
-            <a:lvl7pPr marL="2971800" indent="-228600" algn="l" defTabSz="914400" rtl="0" eaLnBrk="1" latinLnBrk="1" hangingPunct="1">
-              <a:spcBef>
-                <a:spcPct val="20000"/>
-              </a:spcBef>
-              <a:buFont typeface="Arial" pitchFamily="34" charset="0"/>
-              <a:buChar char="•"/>
-              <a:defRPr sz="2000" kern="1200">
-                <a:solidFill>
-                  <a:schemeClr val="tx1"/>
-                </a:solidFill>
-                <a:latin typeface="+mn-lt"/>
-                <a:ea typeface="+mn-ea"/>
-                <a:cs typeface="+mn-cs"/>
-              </a:defRPr>
-            </a:lvl7pPr>
-            <a:lvl8pPr marL="3429000" indent="-228600" algn="l" defTabSz="914400" rtl="0" eaLnBrk="1" latinLnBrk="1" hangingPunct="1">
-              <a:spcBef>
-                <a:spcPct val="20000"/>
-              </a:spcBef>
-              <a:buFont typeface="Arial" pitchFamily="34" charset="0"/>
-              <a:buChar char="•"/>
-              <a:defRPr sz="2000" kern="1200">
-                <a:solidFill>
-                  <a:schemeClr val="tx1"/>
-                </a:solidFill>
-                <a:latin typeface="+mn-lt"/>
-                <a:ea typeface="+mn-ea"/>
-                <a:cs typeface="+mn-cs"/>
-              </a:defRPr>
-            </a:lvl8pPr>
-            <a:lvl9pPr marL="3886200" indent="-228600" algn="l" defTabSz="914400" rtl="0" eaLnBrk="1" latinLnBrk="1" hangingPunct="1">
-              <a:spcBef>
-                <a:spcPct val="20000"/>
-              </a:spcBef>
-              <a:buFont typeface="Arial" pitchFamily="34" charset="0"/>
-              <a:buChar char="•"/>
-              <a:defRPr sz="2000" kern="1200">
-                <a:solidFill>
-                  <a:schemeClr val="tx1"/>
-                </a:solidFill>
-                <a:latin typeface="+mn-lt"/>
-                <a:ea typeface="+mn-ea"/>
-                <a:cs typeface="+mn-cs"/>
-              </a:defRPr>
-            </a:lvl9pPr>
-          </a:lstStyle>
-          <a:p>
-            <a:pPr marL="0" indent="0">
-              <a:buNone/>
-            </a:pPr>
-            <a:r>
-              <a:rPr lang="en-US" altLang="ko-KR" sz="2400" dirty="0"/>
-              <a:t>[</a:t>
-            </a:r>
-            <a:r>
-              <a:rPr lang="ko-KR" altLang="en-US" sz="2400" dirty="0"/>
-              <a:t>정리 </a:t>
-            </a:r>
-            <a:r>
-              <a:rPr lang="en-US" altLang="ko-KR" sz="2400" dirty="0"/>
-              <a:t>7-1] </a:t>
-            </a:r>
-            <a:r>
-              <a:rPr lang="ko-KR" altLang="en-US" sz="2400" dirty="0"/>
-              <a:t>지수분포의 </a:t>
-            </a:r>
-            <a:r>
-              <a:rPr lang="ko-KR" altLang="en-US" sz="2400" dirty="0" err="1"/>
-              <a:t>비기억</a:t>
-            </a:r>
-            <a:r>
-              <a:rPr lang="en-US" altLang="ko-KR" sz="2400" dirty="0"/>
-              <a:t>(memoryless) </a:t>
-            </a:r>
-            <a:r>
-              <a:rPr lang="ko-KR" altLang="en-US" sz="2400" dirty="0"/>
-              <a:t>특성</a:t>
-            </a:r>
-          </a:p>
-          <a:p>
-            <a:pPr marL="0" lvl="1" indent="0" fontAlgn="auto">
-              <a:spcAft>
-                <a:spcPts val="0"/>
-              </a:spcAft>
-              <a:buFont typeface="Arial" pitchFamily="34" charset="0"/>
-              <a:buNone/>
-            </a:pPr>
-            <a:endParaRPr kumimoji="0" lang="en-US" altLang="ko-KR" sz="2400" dirty="0"/>
-          </a:p>
-        </p:txBody>
-      </p:sp>
-      <p:sp>
-        <p:nvSpPr>
-          <p:cNvPr id="7" name="모서리가 둥근 직사각형 6"/>
-          <p:cNvSpPr/>
-          <p:nvPr/>
-        </p:nvSpPr>
-        <p:spPr>
-          <a:xfrm>
-            <a:off x="476545" y="1268761"/>
-            <a:ext cx="8145905" cy="1170130"/>
-          </a:xfrm>
-          <a:prstGeom prst="roundRect">
-            <a:avLst>
-              <a:gd name="adj" fmla="val 17857"/>
-            </a:avLst>
-          </a:prstGeom>
-          <a:noFill/>
-          <a:ln w="38100">
-            <a:solidFill>
-              <a:schemeClr val="accent5">
-                <a:lumMod val="40000"/>
-                <a:lumOff val="60000"/>
-              </a:schemeClr>
-            </a:solidFill>
-          </a:ln>
-        </p:spPr>
-        <p:style>
-          <a:lnRef idx="2">
-            <a:schemeClr val="accent1">
-              <a:shade val="50000"/>
-            </a:schemeClr>
-          </a:lnRef>
-          <a:fillRef idx="1">
-            <a:schemeClr val="accent1"/>
-          </a:fillRef>
-          <a:effectRef idx="0">
-            <a:schemeClr val="accent1"/>
-          </a:effectRef>
-          <a:fontRef idx="minor">
-            <a:schemeClr val="lt1"/>
-          </a:fontRef>
-        </p:style>
-        <p:txBody>
-          <a:bodyPr rtlCol="0" anchor="ctr"/>
-          <a:lstStyle/>
-          <a:p>
-            <a:pPr algn="ctr"/>
-            <a:endParaRPr lang="ko-KR" altLang="en-US"/>
-          </a:p>
-        </p:txBody>
-      </p:sp>
-      <p:pic>
-        <p:nvPicPr>
-          <p:cNvPr id="5" name="Picture 696"/>
-          <p:cNvPicPr>
-            <a:picLocks noChangeAspect="1" noChangeArrowheads="1"/>
-          </p:cNvPicPr>
-          <p:nvPr/>
-        </p:nvPicPr>
-        <p:blipFill>
-          <a:blip r:embed="rId2">
-            <a:extLst>
-              <a:ext uri="{28A0092B-C50C-407E-A947-70E740481C1C}">
-                <a14:useLocalDpi xmlns:a14="http://schemas.microsoft.com/office/drawing/2010/main" val="0"/>
-              </a:ext>
-            </a:extLst>
-          </a:blip>
-          <a:srcRect/>
-          <a:stretch>
-            <a:fillRect/>
-          </a:stretch>
-        </p:blipFill>
-        <p:spPr bwMode="auto">
-          <a:xfrm>
-            <a:off x="2441705" y="1842390"/>
-            <a:ext cx="4200525" cy="371475"/>
-          </a:xfrm>
-          <a:prstGeom prst="rect">
-            <a:avLst/>
-          </a:prstGeom>
-          <a:noFill/>
-          <a:ln>
-            <a:noFill/>
-          </a:ln>
-          <a:extLst>
-            <a:ext uri="{909E8E84-426E-40DD-AFC4-6F175D3DCCD1}">
-              <a14:hiddenFill xmlns:a14="http://schemas.microsoft.com/office/drawing/2010/main">
-                <a:solidFill>
-                  <a:schemeClr val="accent1"/>
-                </a:solidFill>
-              </a14:hiddenFill>
-            </a:ext>
-            <a:ext uri="{91240B29-F687-4F45-9708-019B960494DF}">
-              <a14:hiddenLine xmlns:a14="http://schemas.microsoft.com/office/drawing/2010/main" w="9525">
-                <a:solidFill>
-                  <a:schemeClr val="tx1"/>
-                </a:solidFill>
-                <a:miter lim="800000"/>
-                <a:headEnd/>
-                <a:tailEnd/>
-              </a14:hiddenLine>
-            </a:ext>
-          </a:extLst>
-        </p:spPr>
-      </p:pic>
-      <p:sp>
-        <p:nvSpPr>
-          <p:cNvPr id="6" name="슬라이드 번호 개체 틀 4"/>
-          <p:cNvSpPr>
-            <a:spLocks noGrp="1"/>
-          </p:cNvSpPr>
-          <p:nvPr>
-            <p:ph type="sldNum" sz="quarter" idx="12"/>
-          </p:nvPr>
-        </p:nvSpPr>
-        <p:spPr>
-          <a:xfrm>
-            <a:off x="6553200" y="6356350"/>
-            <a:ext cx="2133600" cy="365125"/>
-          </a:xfrm>
-        </p:spPr>
-        <p:txBody>
-          <a:bodyPr/>
-          <a:lstStyle/>
-          <a:p>
-            <a:fld id="{4F5174AF-FADA-4093-86AE-69958A02D9B7}" type="slidenum">
-              <a:rPr lang="ko-KR" altLang="en-US" sz="1800" smtClean="0">
-                <a:latin typeface="+mn-ea"/>
-                <a:ea typeface="+mn-ea"/>
-              </a:rPr>
-              <a:pPr/>
-              <a:t>10</a:t>
-            </a:fld>
-            <a:endParaRPr lang="ko-KR" altLang="en-US" sz="1800">
-              <a:latin typeface="+mn-ea"/>
-              <a:ea typeface="+mn-ea"/>
-            </a:endParaRPr>
-          </a:p>
-        </p:txBody>
-      </p:sp>
-      <p:sp>
-        <p:nvSpPr>
-          <p:cNvPr id="8" name="TextBox 7"/>
-          <p:cNvSpPr txBox="1"/>
-          <p:nvPr/>
-        </p:nvSpPr>
-        <p:spPr>
-          <a:xfrm>
-            <a:off x="489651" y="3185182"/>
-            <a:ext cx="8208912" cy="646331"/>
-          </a:xfrm>
-          <a:prstGeom prst="rect">
-            <a:avLst/>
-          </a:prstGeom>
-          <a:noFill/>
-        </p:spPr>
-        <p:txBody>
-          <a:bodyPr wrap="square" rtlCol="0">
-            <a:spAutoFit/>
-          </a:bodyPr>
-          <a:lstStyle>
-            <a:defPPr>
-              <a:defRPr lang="ko-KR"/>
-            </a:defPPr>
-            <a:lvl1pPr marL="900000" indent="-900000">
-              <a:defRPr sz="2000" b="1"/>
-            </a:lvl1pPr>
-          </a:lstStyle>
-          <a:p>
-            <a:r>
-              <a:rPr lang="en-US" altLang="ko-KR" sz="1800" b="0" dirty="0">
-                <a:latin typeface="+mn-ea"/>
-                <a:ea typeface="+mn-ea"/>
-              </a:rPr>
-              <a:t>[</a:t>
-            </a:r>
-            <a:r>
-              <a:rPr lang="ko-KR" altLang="en-US" sz="1800" b="0" dirty="0">
-                <a:latin typeface="+mn-ea"/>
-                <a:ea typeface="+mn-ea"/>
-              </a:rPr>
-              <a:t>예 </a:t>
-            </a:r>
-            <a:r>
-              <a:rPr lang="en-US" altLang="ko-KR" sz="1800" b="0" dirty="0">
-                <a:latin typeface="+mn-ea"/>
-                <a:ea typeface="+mn-ea"/>
-              </a:rPr>
-              <a:t>7-3] </a:t>
-            </a:r>
-            <a:r>
-              <a:rPr lang="ko-KR" altLang="en-US" sz="1800" b="0" dirty="0">
-                <a:latin typeface="+mn-ea"/>
-                <a:ea typeface="+mn-ea"/>
-              </a:rPr>
-              <a:t>평균수명이 </a:t>
-            </a:r>
-            <a:r>
-              <a:rPr lang="en-US" altLang="ko-KR" sz="1800" b="0" dirty="0">
-                <a:latin typeface="+mn-ea"/>
-                <a:ea typeface="+mn-ea"/>
-              </a:rPr>
-              <a:t>10</a:t>
-            </a:r>
-            <a:r>
-              <a:rPr lang="ko-KR" altLang="en-US" sz="1800" b="0" dirty="0">
-                <a:latin typeface="+mn-ea"/>
-                <a:ea typeface="+mn-ea"/>
-              </a:rPr>
-              <a:t>년인 지수분포를 따르는 제품을 </a:t>
-            </a:r>
-            <a:r>
-              <a:rPr lang="en-US" altLang="ko-KR" sz="1800" b="0" dirty="0">
-                <a:latin typeface="+mn-ea"/>
-                <a:ea typeface="+mn-ea"/>
-              </a:rPr>
-              <a:t>5</a:t>
-            </a:r>
-            <a:r>
-              <a:rPr lang="ko-KR" altLang="en-US" sz="1800" b="0" dirty="0">
-                <a:latin typeface="+mn-ea"/>
-                <a:ea typeface="+mn-ea"/>
-              </a:rPr>
-              <a:t>년간 고장 없이 사용했을 때</a:t>
-            </a:r>
-            <a:r>
-              <a:rPr lang="en-US" altLang="ko-KR" sz="1800" b="0" dirty="0">
-                <a:latin typeface="+mn-ea"/>
-                <a:ea typeface="+mn-ea"/>
-              </a:rPr>
-              <a:t>, </a:t>
-            </a:r>
-            <a:r>
-              <a:rPr lang="ko-KR" altLang="en-US" sz="1800" b="0" dirty="0">
-                <a:latin typeface="+mn-ea"/>
-                <a:ea typeface="+mn-ea"/>
-              </a:rPr>
-              <a:t>앞으로 </a:t>
-            </a:r>
-            <a:r>
-              <a:rPr lang="en-US" altLang="ko-KR" sz="1800" b="0" dirty="0">
-                <a:latin typeface="+mn-ea"/>
-                <a:ea typeface="+mn-ea"/>
-              </a:rPr>
-              <a:t>3</a:t>
-            </a:r>
-            <a:r>
-              <a:rPr lang="ko-KR" altLang="en-US" sz="1800" b="0" dirty="0">
-                <a:latin typeface="+mn-ea"/>
-                <a:ea typeface="+mn-ea"/>
-              </a:rPr>
-              <a:t>년 더 고장 없이 작동할 확률</a:t>
-            </a:r>
-            <a:r>
-              <a:rPr lang="en-US" altLang="ko-KR" sz="1800" b="0" dirty="0">
-                <a:latin typeface="+mn-ea"/>
-                <a:ea typeface="+mn-ea"/>
-              </a:rPr>
-              <a:t>?</a:t>
-            </a:r>
-            <a:endParaRPr lang="ko-KR" altLang="en-US" sz="1800" b="0" dirty="0">
-              <a:latin typeface="+mn-ea"/>
-              <a:ea typeface="+mn-ea"/>
-            </a:endParaRPr>
-          </a:p>
-        </p:txBody>
-      </p:sp>
-      <p:sp>
-        <p:nvSpPr>
-          <p:cNvPr id="9" name="TextBox 8"/>
-          <p:cNvSpPr txBox="1"/>
-          <p:nvPr/>
-        </p:nvSpPr>
-        <p:spPr>
-          <a:xfrm>
-            <a:off x="489651" y="4398485"/>
-            <a:ext cx="8208912" cy="646331"/>
-          </a:xfrm>
-          <a:prstGeom prst="rect">
-            <a:avLst/>
-          </a:prstGeom>
-          <a:noFill/>
-        </p:spPr>
-        <p:txBody>
-          <a:bodyPr wrap="square" rtlCol="0">
-            <a:spAutoFit/>
-          </a:bodyPr>
-          <a:lstStyle>
-            <a:defPPr>
-              <a:defRPr lang="ko-KR"/>
-            </a:defPPr>
-            <a:lvl1pPr marL="900000" indent="-900000">
-              <a:defRPr sz="2000" b="1"/>
-            </a:lvl1pPr>
-          </a:lstStyle>
-          <a:p>
-            <a:r>
-              <a:rPr lang="en-US" altLang="ko-KR" sz="1800" b="0" dirty="0">
-                <a:latin typeface="+mn-ea"/>
-                <a:ea typeface="+mn-ea"/>
-              </a:rPr>
-              <a:t>[</a:t>
-            </a:r>
-            <a:r>
-              <a:rPr lang="ko-KR" altLang="en-US" sz="1800" b="0" dirty="0">
-                <a:latin typeface="+mn-ea"/>
-                <a:ea typeface="+mn-ea"/>
-              </a:rPr>
-              <a:t>예 </a:t>
-            </a:r>
-            <a:r>
-              <a:rPr lang="en-US" altLang="ko-KR" sz="1800" b="0" dirty="0">
-                <a:latin typeface="+mn-ea"/>
-                <a:ea typeface="+mn-ea"/>
-              </a:rPr>
-              <a:t>7-4] </a:t>
-            </a:r>
-            <a:r>
-              <a:rPr lang="ko-KR" altLang="en-US" sz="1800" b="0" dirty="0">
-                <a:latin typeface="+mn-ea"/>
-                <a:ea typeface="+mn-ea"/>
-              </a:rPr>
-              <a:t>평균수명이 </a:t>
-            </a:r>
-            <a:r>
-              <a:rPr lang="en-US" altLang="ko-KR" sz="1800" b="0" dirty="0">
-                <a:latin typeface="+mn-ea"/>
-                <a:ea typeface="+mn-ea"/>
-              </a:rPr>
-              <a:t>10,000</a:t>
-            </a:r>
-            <a:r>
-              <a:rPr lang="ko-KR" altLang="en-US" sz="1800" b="0" dirty="0">
-                <a:latin typeface="+mn-ea"/>
-                <a:ea typeface="+mn-ea"/>
-              </a:rPr>
-              <a:t>시간인 지수분포를 따르는 시스템에 대하여 </a:t>
-            </a:r>
-            <a:r>
-              <a:rPr lang="en-US" altLang="ko-KR" sz="1800" b="0" dirty="0">
-                <a:latin typeface="+mn-ea"/>
-                <a:ea typeface="+mn-ea"/>
-              </a:rPr>
-              <a:t>90%</a:t>
-            </a:r>
-            <a:r>
-              <a:rPr lang="ko-KR" altLang="en-US" sz="1800" b="0" dirty="0">
-                <a:latin typeface="+mn-ea"/>
-                <a:ea typeface="+mn-ea"/>
-              </a:rPr>
-              <a:t>의 확률로 고장 없이 작동할 시간을 구하시오</a:t>
-            </a:r>
-            <a:r>
-              <a:rPr lang="en-US" altLang="ko-KR" sz="1800" b="0" dirty="0">
-                <a:latin typeface="+mn-ea"/>
-                <a:ea typeface="+mn-ea"/>
-              </a:rPr>
-              <a:t>.</a:t>
-            </a:r>
-            <a:endParaRPr lang="ko-KR" altLang="en-US" sz="1800" b="0" dirty="0">
-              <a:latin typeface="+mn-ea"/>
-              <a:ea typeface="+mn-ea"/>
-            </a:endParaRPr>
-          </a:p>
-        </p:txBody>
-      </p:sp>
-      <p:sp>
-        <p:nvSpPr>
-          <p:cNvPr id="10" name="TextBox 9"/>
-          <p:cNvSpPr txBox="1"/>
-          <p:nvPr/>
-        </p:nvSpPr>
-        <p:spPr>
-          <a:xfrm>
-            <a:off x="489651" y="5478605"/>
-            <a:ext cx="8208912" cy="646331"/>
-          </a:xfrm>
-          <a:prstGeom prst="rect">
-            <a:avLst/>
-          </a:prstGeom>
-          <a:noFill/>
-        </p:spPr>
-        <p:txBody>
-          <a:bodyPr wrap="square" rtlCol="0">
-            <a:spAutoFit/>
-          </a:bodyPr>
-          <a:lstStyle>
-            <a:defPPr>
-              <a:defRPr lang="ko-KR"/>
-            </a:defPPr>
-            <a:lvl1pPr marL="900000" indent="-900000">
-              <a:defRPr sz="2000" b="1"/>
-            </a:lvl1pPr>
-          </a:lstStyle>
-          <a:p>
-            <a:r>
-              <a:rPr lang="en-US" altLang="ko-KR" sz="1800" b="0" dirty="0">
-                <a:latin typeface="+mn-ea"/>
-                <a:ea typeface="+mn-ea"/>
-              </a:rPr>
-              <a:t>[</a:t>
-            </a:r>
-            <a:r>
-              <a:rPr lang="ko-KR" altLang="en-US" sz="1800" b="0" dirty="0">
-                <a:latin typeface="+mn-ea"/>
-                <a:ea typeface="+mn-ea"/>
-              </a:rPr>
-              <a:t>예 </a:t>
-            </a:r>
-            <a:r>
-              <a:rPr lang="en-US" altLang="ko-KR" sz="1800" b="0" dirty="0">
-                <a:latin typeface="+mn-ea"/>
-                <a:ea typeface="+mn-ea"/>
-              </a:rPr>
-              <a:t>7-5] </a:t>
-            </a:r>
-            <a:r>
-              <a:rPr lang="ko-KR" altLang="en-US" sz="1800" b="0" dirty="0">
-                <a:latin typeface="+mn-ea"/>
-                <a:ea typeface="+mn-ea"/>
-              </a:rPr>
-              <a:t>지수수명분포를 따르는 시스템에 대하여 </a:t>
-            </a:r>
-            <a:r>
-              <a:rPr lang="en-US" altLang="ko-KR" sz="1800" b="0" dirty="0">
-                <a:latin typeface="+mn-ea"/>
-                <a:ea typeface="+mn-ea"/>
-              </a:rPr>
-              <a:t>10,000</a:t>
-            </a:r>
-            <a:r>
-              <a:rPr lang="ko-KR" altLang="en-US" sz="1800" b="0" dirty="0">
-                <a:latin typeface="+mn-ea"/>
-                <a:ea typeface="+mn-ea"/>
-              </a:rPr>
-              <a:t>시간 까지 작동할 확률이 </a:t>
-            </a:r>
-            <a:r>
-              <a:rPr lang="en-US" altLang="ko-KR" sz="1800" b="0" dirty="0">
-                <a:latin typeface="+mn-ea"/>
-                <a:ea typeface="+mn-ea"/>
-              </a:rPr>
-              <a:t>90%</a:t>
-            </a:r>
-            <a:r>
-              <a:rPr lang="ko-KR" altLang="en-US" sz="1800" b="0" dirty="0">
-                <a:latin typeface="+mn-ea"/>
-                <a:ea typeface="+mn-ea"/>
-              </a:rPr>
-              <a:t>이상 이길 요구한다면</a:t>
-            </a:r>
-            <a:r>
-              <a:rPr lang="en-US" altLang="ko-KR" sz="1800" b="0" dirty="0">
-                <a:latin typeface="+mn-ea"/>
-                <a:ea typeface="+mn-ea"/>
-              </a:rPr>
-              <a:t>, </a:t>
-            </a:r>
-            <a:r>
-              <a:rPr lang="el-GR" altLang="ko-KR" sz="1800" b="0" dirty="0">
-                <a:latin typeface="+mn-ea"/>
-                <a:ea typeface="+mn-ea"/>
-              </a:rPr>
-              <a:t>λ</a:t>
-            </a:r>
-            <a:r>
-              <a:rPr lang="ko-KR" altLang="en-US" sz="1800" b="0" dirty="0">
-                <a:latin typeface="+mn-ea"/>
-                <a:ea typeface="+mn-ea"/>
-              </a:rPr>
-              <a:t>는 얼마 이하</a:t>
-            </a:r>
-            <a:r>
-              <a:rPr lang="en-US" altLang="ko-KR" sz="1800" b="0" dirty="0">
-                <a:latin typeface="+mn-ea"/>
-                <a:ea typeface="+mn-ea"/>
-              </a:rPr>
-              <a:t>?</a:t>
-            </a:r>
-            <a:endParaRPr lang="ko-KR" altLang="en-US" sz="1800" b="0" dirty="0">
-              <a:latin typeface="+mn-ea"/>
-              <a:ea typeface="+mn-ea"/>
-            </a:endParaRPr>
-          </a:p>
-        </p:txBody>
-      </p:sp>
-      <p:pic>
-        <p:nvPicPr>
-          <p:cNvPr id="11" name="Picture 697"/>
-          <p:cNvPicPr>
-            <a:picLocks noChangeAspect="1" noChangeArrowheads="1"/>
-          </p:cNvPicPr>
-          <p:nvPr/>
-        </p:nvPicPr>
-        <p:blipFill>
-          <a:blip r:embed="rId3">
-            <a:extLst>
-              <a:ext uri="{28A0092B-C50C-407E-A947-70E740481C1C}">
-                <a14:useLocalDpi xmlns:a14="http://schemas.microsoft.com/office/drawing/2010/main" val="0"/>
-              </a:ext>
-            </a:extLst>
-          </a:blip>
-          <a:srcRect/>
-          <a:stretch>
-            <a:fillRect/>
-          </a:stretch>
-        </p:blipFill>
-        <p:spPr bwMode="auto">
-          <a:xfrm>
-            <a:off x="1923847" y="2528135"/>
-            <a:ext cx="6018596" cy="614144"/>
-          </a:xfrm>
-          <a:prstGeom prst="rect">
-            <a:avLst/>
-          </a:prstGeom>
-          <a:noFill/>
-          <a:ln>
-            <a:noFill/>
-          </a:ln>
-          <a:extLst>
-            <a:ext uri="{909E8E84-426E-40DD-AFC4-6F175D3DCCD1}">
-              <a14:hiddenFill xmlns:a14="http://schemas.microsoft.com/office/drawing/2010/main">
-                <a:solidFill>
-                  <a:schemeClr val="accent1"/>
-                </a:solidFill>
-              </a14:hiddenFill>
-            </a:ext>
-            <a:ext uri="{91240B29-F687-4F45-9708-019B960494DF}">
-              <a14:hiddenLine xmlns:a14="http://schemas.microsoft.com/office/drawing/2010/main" w="9525">
-                <a:solidFill>
-                  <a:schemeClr val="tx1"/>
-                </a:solidFill>
-                <a:miter lim="800000"/>
-                <a:headEnd/>
-                <a:tailEnd/>
-              </a14:hiddenLine>
-            </a:ext>
-          </a:extLst>
-        </p:spPr>
-      </p:pic>
-      <p:pic>
-        <p:nvPicPr>
-          <p:cNvPr id="12" name="Picture 698"/>
-          <p:cNvPicPr>
-            <a:picLocks noChangeAspect="1" noChangeArrowheads="1"/>
-          </p:cNvPicPr>
-          <p:nvPr/>
-        </p:nvPicPr>
-        <p:blipFill>
-          <a:blip r:embed="rId4">
-            <a:extLst>
-              <a:ext uri="{28A0092B-C50C-407E-A947-70E740481C1C}">
-                <a14:useLocalDpi xmlns:a14="http://schemas.microsoft.com/office/drawing/2010/main" val="0"/>
-              </a:ext>
-            </a:extLst>
-          </a:blip>
-          <a:srcRect/>
-          <a:stretch>
-            <a:fillRect/>
-          </a:stretch>
-        </p:blipFill>
-        <p:spPr bwMode="auto">
-          <a:xfrm>
-            <a:off x="1724513" y="3815657"/>
-            <a:ext cx="5592792" cy="597766"/>
-          </a:xfrm>
-          <a:prstGeom prst="rect">
-            <a:avLst/>
-          </a:prstGeom>
-          <a:noFill/>
-          <a:ln>
-            <a:noFill/>
-          </a:ln>
-          <a:extLst>
-            <a:ext uri="{909E8E84-426E-40DD-AFC4-6F175D3DCCD1}">
-              <a14:hiddenFill xmlns:a14="http://schemas.microsoft.com/office/drawing/2010/main">
-                <a:solidFill>
-                  <a:schemeClr val="accent1"/>
-                </a:solidFill>
-              </a14:hiddenFill>
-            </a:ext>
-            <a:ext uri="{91240B29-F687-4F45-9708-019B960494DF}">
-              <a14:hiddenLine xmlns:a14="http://schemas.microsoft.com/office/drawing/2010/main" w="9525">
-                <a:solidFill>
-                  <a:schemeClr val="tx1"/>
-                </a:solidFill>
-                <a:miter lim="800000"/>
-                <a:headEnd/>
-                <a:tailEnd/>
-              </a14:hiddenLine>
-            </a:ext>
-          </a:extLst>
-        </p:spPr>
-      </p:pic>
-      <p:pic>
-        <p:nvPicPr>
-          <p:cNvPr id="13" name="Picture 699"/>
-          <p:cNvPicPr>
-            <a:picLocks noChangeAspect="1" noChangeArrowheads="1"/>
-          </p:cNvPicPr>
-          <p:nvPr/>
-        </p:nvPicPr>
-        <p:blipFill>
-          <a:blip r:embed="rId5">
-            <a:extLst>
-              <a:ext uri="{28A0092B-C50C-407E-A947-70E740481C1C}">
-                <a14:useLocalDpi xmlns:a14="http://schemas.microsoft.com/office/drawing/2010/main" val="0"/>
-              </a:ext>
-            </a:extLst>
-          </a:blip>
-          <a:srcRect/>
-          <a:stretch>
-            <a:fillRect/>
-          </a:stretch>
-        </p:blipFill>
-        <p:spPr bwMode="auto">
-          <a:xfrm>
-            <a:off x="1657308" y="5087391"/>
-            <a:ext cx="5789318" cy="319356"/>
-          </a:xfrm>
-          <a:prstGeom prst="rect">
-            <a:avLst/>
-          </a:prstGeom>
-          <a:noFill/>
-          <a:ln>
-            <a:noFill/>
-          </a:ln>
-          <a:extLst>
-            <a:ext uri="{909E8E84-426E-40DD-AFC4-6F175D3DCCD1}">
-              <a14:hiddenFill xmlns:a14="http://schemas.microsoft.com/office/drawing/2010/main">
-                <a:solidFill>
-                  <a:schemeClr val="accent1"/>
-                </a:solidFill>
-              </a14:hiddenFill>
-            </a:ext>
-            <a:ext uri="{91240B29-F687-4F45-9708-019B960494DF}">
-              <a14:hiddenLine xmlns:a14="http://schemas.microsoft.com/office/drawing/2010/main" w="9525">
-                <a:solidFill>
-                  <a:schemeClr val="tx1"/>
-                </a:solidFill>
-                <a:miter lim="800000"/>
-                <a:headEnd/>
-                <a:tailEnd/>
-              </a14:hiddenLine>
-            </a:ext>
-          </a:extLst>
-        </p:spPr>
-      </p:pic>
-      <p:pic>
-        <p:nvPicPr>
-          <p:cNvPr id="14" name="Picture 700"/>
-          <p:cNvPicPr>
-            <a:picLocks noChangeAspect="1" noChangeArrowheads="1"/>
-          </p:cNvPicPr>
-          <p:nvPr/>
-        </p:nvPicPr>
-        <p:blipFill>
-          <a:blip r:embed="rId6">
-            <a:extLst>
-              <a:ext uri="{28A0092B-C50C-407E-A947-70E740481C1C}">
-                <a14:useLocalDpi xmlns:a14="http://schemas.microsoft.com/office/drawing/2010/main" val="0"/>
-              </a:ext>
-            </a:extLst>
-          </a:blip>
-          <a:srcRect/>
-          <a:stretch>
-            <a:fillRect/>
-          </a:stretch>
-        </p:blipFill>
-        <p:spPr bwMode="auto">
-          <a:xfrm>
-            <a:off x="1519543" y="6169031"/>
-            <a:ext cx="6157802" cy="524068"/>
-          </a:xfrm>
-          <a:prstGeom prst="rect">
-            <a:avLst/>
-          </a:prstGeom>
-          <a:noFill/>
-          <a:ln>
-            <a:noFill/>
-          </a:ln>
-          <a:extLst>
-            <a:ext uri="{909E8E84-426E-40DD-AFC4-6F175D3DCCD1}">
-              <a14:hiddenFill xmlns:a14="http://schemas.microsoft.com/office/drawing/2010/main">
-                <a:solidFill>
-                  <a:schemeClr val="accent1"/>
-                </a:solidFill>
-              </a14:hiddenFill>
-            </a:ext>
-            <a:ext uri="{91240B29-F687-4F45-9708-019B960494DF}">
-              <a14:hiddenLine xmlns:a14="http://schemas.microsoft.com/office/drawing/2010/main" w="9525">
-                <a:solidFill>
-                  <a:schemeClr val="tx1"/>
-                </a:solidFill>
-                <a:miter lim="800000"/>
-                <a:headEnd/>
-                <a:tailEnd/>
-              </a14:hiddenLine>
-            </a:ext>
-          </a:extLst>
-        </p:spPr>
-      </p:pic>
-    </p:spTree>
-    <p:extLst>
-      <p:ext uri="{BB962C8B-B14F-4D97-AF65-F5344CB8AC3E}">
-        <p14:creationId xmlns:p14="http://schemas.microsoft.com/office/powerpoint/2010/main" val="557243368"/>
-      </p:ext>
-    </p:extLst>
-  </p:cSld>
-  <p:clrMapOvr>
-    <a:masterClrMapping/>
-  </p:clrMapOvr>
-</p:sld>
-</file>
-
-<file path=ppt/slides/slide11.xml><?xml version="1.0" encoding="utf-8"?>
-<p:sld xmlns:a="http://schemas.openxmlformats.org/drawingml/2006/main" xmlns:r="http://schemas.openxmlformats.org/officeDocument/2006/relationships" xmlns:p="http://schemas.openxmlformats.org/presentationml/2006/main">
-  <p:cSld>
-    <p:spTree>
-      <p:nvGrpSpPr>
-        <p:cNvPr id="1" name=""/>
-        <p:cNvGrpSpPr/>
-        <p:nvPr/>
-      </p:nvGrpSpPr>
-      <p:grpSpPr>
-        <a:xfrm>
-          <a:off x="0" y="0"/>
-          <a:ext cx="0" cy="0"/>
-          <a:chOff x="0" y="0"/>
-          <a:chExt cx="0" cy="0"/>
-        </a:xfrm>
-      </p:grpSpPr>
-      <p:sp>
-        <p:nvSpPr>
-          <p:cNvPr id="40" name="제목 1"/>
-          <p:cNvSpPr txBox="1">
-            <a:spLocks/>
-          </p:cNvSpPr>
-          <p:nvPr/>
-        </p:nvSpPr>
-        <p:spPr>
-          <a:xfrm>
-            <a:off x="476545" y="368660"/>
-            <a:ext cx="8289630" cy="765086"/>
-          </a:xfrm>
-          <a:prstGeom prst="rect">
-            <a:avLst/>
-          </a:prstGeom>
-        </p:spPr>
-        <p:txBody>
-          <a:bodyPr vert="horz" lIns="91440" tIns="45720" rIns="91440" bIns="45720" rtlCol="0" anchor="ctr">
-            <a:normAutofit/>
-          </a:bodyPr>
-          <a:lstStyle>
-            <a:lvl1pPr algn="l" defTabSz="914400" rtl="0" eaLnBrk="1" latinLnBrk="1" hangingPunct="1">
-              <a:spcBef>
-                <a:spcPct val="0"/>
-              </a:spcBef>
-              <a:buNone/>
-              <a:defRPr sz="3600" b="1" kern="1200">
-                <a:solidFill>
-                  <a:schemeClr val="tx1"/>
-                </a:solidFill>
-                <a:latin typeface="+mj-lt"/>
-                <a:ea typeface="+mj-ea"/>
-                <a:cs typeface="+mj-cs"/>
-              </a:defRPr>
-            </a:lvl1pPr>
-          </a:lstStyle>
-          <a:p>
-            <a:r>
-              <a:rPr lang="en-US" altLang="ko-KR" dirty="0"/>
               <a:t>3. </a:t>
             </a:r>
             <a:r>
@@ -7119,7 +6160,7 @@
 </p:sld>
 </file>
 
-<file path=ppt/slides/slide12.xml><?xml version="1.0" encoding="utf-8"?>
+<file path=ppt/slides/slide11.xml><?xml version="1.0" encoding="utf-8"?>
 <p:sld xmlns:a="http://schemas.openxmlformats.org/drawingml/2006/main" xmlns:r="http://schemas.openxmlformats.org/officeDocument/2006/relationships" xmlns:p="http://schemas.openxmlformats.org/presentationml/2006/main">
   <p:cSld>
     <p:spTree>
@@ -7767,7 +6808,7 @@
 </p:sld>
 </file>
 
-<file path=ppt/slides/slide13.xml><?xml version="1.0" encoding="utf-8"?>
+<file path=ppt/slides/slide12.xml><?xml version="1.0" encoding="utf-8"?>
 <p:sld xmlns:a="http://schemas.openxmlformats.org/drawingml/2006/main" xmlns:r="http://schemas.openxmlformats.org/officeDocument/2006/relationships" xmlns:p="http://schemas.openxmlformats.org/presentationml/2006/main">
   <p:cSld>
     <p:spTree>
@@ -8309,7 +7350,7 @@
             <a:fld id="{4F5174AF-FADA-4093-86AE-69958A02D9B7}" type="slidenum">
               <a:rPr lang="ko-KR" altLang="en-US" smtClean="0"/>
               <a:pPr/>
-              <a:t>13</a:t>
+              <a:t>12</a:t>
             </a:fld>
             <a:endParaRPr lang="ko-KR" altLang="en-US"/>
           </a:p>
@@ -8433,7 +7474,7 @@
 </p:sld>
 </file>
 
-<file path=ppt/slides/slide14.xml><?xml version="1.0" encoding="utf-8"?>
+<file path=ppt/slides/slide13.xml><?xml version="1.0" encoding="utf-8"?>
 <p:sld xmlns:a="http://schemas.openxmlformats.org/drawingml/2006/main" xmlns:r="http://schemas.openxmlformats.org/officeDocument/2006/relationships" xmlns:p="http://schemas.openxmlformats.org/presentationml/2006/main">
   <p:cSld>
     <p:spTree>
@@ -8610,7 +7651,7 @@
 </p:sld>
 </file>
 
-<file path=ppt/slides/slide15.xml><?xml version="1.0" encoding="utf-8"?>
+<file path=ppt/slides/slide14.xml><?xml version="1.0" encoding="utf-8"?>
 <p:sld xmlns:a="http://schemas.openxmlformats.org/drawingml/2006/main" xmlns:r="http://schemas.openxmlformats.org/officeDocument/2006/relationships" xmlns:p="http://schemas.openxmlformats.org/presentationml/2006/main">
   <p:cSld>
     <p:spTree>
@@ -8788,7 +7829,7 @@
 </p:sld>
 </file>
 
-<file path=ppt/slides/slide16.xml><?xml version="1.0" encoding="utf-8"?>
+<file path=ppt/slides/slide15.xml><?xml version="1.0" encoding="utf-8"?>
 <p:sld xmlns:a="http://schemas.openxmlformats.org/drawingml/2006/main" xmlns:r="http://schemas.openxmlformats.org/officeDocument/2006/relationships" xmlns:p="http://schemas.openxmlformats.org/presentationml/2006/main">
   <p:cSld>
     <p:spTree>
@@ -9072,7 +8113,7 @@
           <a:graphicData uri="http://schemas.openxmlformats.org/presentationml/2006/ole">
             <mc:AlternateContent xmlns:mc="http://schemas.openxmlformats.org/markup-compatibility/2006">
               <mc:Choice xmlns:v="urn:schemas-microsoft-com:vml" Requires="v">
-                <p:oleObj spid="_x0000_s3078" name="Equation" r:id="rId4" imgW="3543120" imgH="342720" progId="Equation.DSMT4">
+                <p:oleObj spid="_x0000_s3074" name="Equation" r:id="rId4" imgW="3543120" imgH="342720" progId="Equation.DSMT4">
                   <p:embed/>
                 </p:oleObj>
               </mc:Choice>
@@ -9402,7 +8443,7 @@
 </p:sld>
 </file>
 
-<file path=ppt/slides/slide17.xml><?xml version="1.0" encoding="utf-8"?>
+<file path=ppt/slides/slide16.xml><?xml version="1.0" encoding="utf-8"?>
 <p:sld xmlns:a="http://schemas.openxmlformats.org/drawingml/2006/main" xmlns:r="http://schemas.openxmlformats.org/officeDocument/2006/relationships" xmlns:p="http://schemas.openxmlformats.org/presentationml/2006/main">
   <p:cSld>
     <p:spTree>
@@ -9698,10 +8739,6 @@
               <a:rPr kumimoji="0" lang="ko-KR" altLang="en-US" dirty="0"/>
               <a:t>장</a:t>
             </a:r>
-            <a:r>
-              <a:rPr kumimoji="0" lang="en-US" altLang="ko-KR" dirty="0"/>
-              <a:t/>
-            </a:r>
             <a:br>
               <a:rPr kumimoji="0" lang="en-US" altLang="ko-KR" dirty="0"/>
             </a:br>
@@ -9829,6 +8866,106 @@
                 <a:ea typeface="+mn-ea"/>
               </a:rPr>
               <a:t>감마분포</a:t>
+            </a:r>
+            <a:r>
+              <a:rPr lang="en-US" altLang="ko-KR" sz="2400" b="1" dirty="0">
+                <a:latin typeface="+mn-ea"/>
+                <a:ea typeface="+mn-ea"/>
+              </a:rPr>
+              <a:t>*</a:t>
+            </a:r>
+            <a:endParaRPr lang="ko-KR" altLang="en-US" sz="2400" b="1" dirty="0">
+              <a:latin typeface="+mn-ea"/>
+              <a:ea typeface="+mn-ea"/>
+            </a:endParaRPr>
+          </a:p>
+        </p:txBody>
+      </p:sp>
+      <p:sp>
+        <p:nvSpPr>
+          <p:cNvPr id="13" name="TextBox 12"/>
+          <p:cNvSpPr txBox="1"/>
+          <p:nvPr/>
+        </p:nvSpPr>
+        <p:spPr>
+          <a:xfrm>
+            <a:off x="1580404" y="4304199"/>
+            <a:ext cx="2952328" cy="461665"/>
+          </a:xfrm>
+          <a:prstGeom prst="rect">
+            <a:avLst/>
+          </a:prstGeom>
+          <a:noFill/>
+        </p:spPr>
+        <p:txBody>
+          <a:bodyPr wrap="square" rtlCol="0">
+            <a:spAutoFit/>
+          </a:bodyPr>
+          <a:lstStyle/>
+          <a:p>
+            <a:r>
+              <a:rPr lang="en-US" altLang="ko-KR" sz="2400" b="1" dirty="0">
+                <a:latin typeface="+mn-ea"/>
+                <a:ea typeface="+mn-ea"/>
+              </a:rPr>
+              <a:t>4. </a:t>
+            </a:r>
+            <a:r>
+              <a:rPr lang="ko-KR" altLang="en-US" sz="2400" b="1" dirty="0" err="1">
+                <a:latin typeface="+mn-ea"/>
+                <a:ea typeface="+mn-ea"/>
+              </a:rPr>
+              <a:t>와이블분포</a:t>
+            </a:r>
+            <a:r>
+              <a:rPr lang="en-US" altLang="ko-KR" sz="2400" b="1" dirty="0">
+                <a:latin typeface="+mn-ea"/>
+                <a:ea typeface="+mn-ea"/>
+              </a:rPr>
+              <a:t>*</a:t>
+            </a:r>
+            <a:endParaRPr lang="ko-KR" altLang="en-US" sz="2400" b="1" dirty="0">
+              <a:latin typeface="+mn-ea"/>
+              <a:ea typeface="+mn-ea"/>
+            </a:endParaRPr>
+          </a:p>
+        </p:txBody>
+      </p:sp>
+      <p:sp>
+        <p:nvSpPr>
+          <p:cNvPr id="14" name="TextBox 13"/>
+          <p:cNvSpPr txBox="1"/>
+          <p:nvPr/>
+        </p:nvSpPr>
+        <p:spPr>
+          <a:xfrm>
+            <a:off x="1580404" y="4827419"/>
+            <a:ext cx="2952328" cy="461665"/>
+          </a:xfrm>
+          <a:prstGeom prst="rect">
+            <a:avLst/>
+          </a:prstGeom>
+          <a:noFill/>
+        </p:spPr>
+        <p:txBody>
+          <a:bodyPr wrap="square" rtlCol="0">
+            <a:spAutoFit/>
+          </a:bodyPr>
+          <a:lstStyle/>
+          <a:p>
+            <a:r>
+              <a:rPr lang="en-US" altLang="ko-KR" sz="2400" b="1" dirty="0">
+                <a:latin typeface="+mn-ea"/>
+                <a:ea typeface="+mn-ea"/>
+              </a:rPr>
+              <a:t>5. </a:t>
+            </a:r>
+            <a:r>
+              <a:rPr lang="ko-KR" altLang="en-US" sz="2400" b="1" dirty="0">
+                <a:latin typeface="+mn-ea"/>
+                <a:ea typeface="+mn-ea"/>
+              </a:rPr>
+              <a:t>베타분포</a:t>
             </a:r>
             <a:r>
               <a:rPr lang="en-US" altLang="ko-KR" sz="2400" b="1" dirty="0">
@@ -10222,7 +9359,7 @@
           <a:graphicData uri="http://schemas.openxmlformats.org/presentationml/2006/ole">
             <mc:AlternateContent xmlns:mc="http://schemas.openxmlformats.org/markup-compatibility/2006">
               <mc:Choice xmlns:v="urn:schemas-microsoft-com:vml" Requires="v">
-                <p:oleObj spid="_x0000_s1030" name="Equation" r:id="rId3" imgW="1473120" imgH="342720" progId="Equation.DSMT4">
+                <p:oleObj spid="_x0000_s1026" name="Equation" r:id="rId3" imgW="1473120" imgH="342720" progId="Equation.DSMT4">
                   <p:embed/>
                 </p:oleObj>
               </mc:Choice>
@@ -12183,7 +11320,7 @@
           <a:graphicData uri="http://schemas.openxmlformats.org/presentationml/2006/ole">
             <mc:AlternateContent xmlns:mc="http://schemas.openxmlformats.org/markup-compatibility/2006">
               <mc:Choice xmlns:v="urn:schemas-microsoft-com:vml" Requires="v">
-                <p:oleObj spid="_x0000_s2054" name="Equation" r:id="rId3" imgW="1498320" imgH="342720" progId="Equation.DSMT4">
+                <p:oleObj spid="_x0000_s2050" name="Equation" r:id="rId3" imgW="1498320" imgH="342720" progId="Equation.DSMT4">
                   <p:embed/>
                 </p:oleObj>
               </mc:Choice>
@@ -13266,7 +12403,7 @@
           <a:p>
             <a:r>
               <a:rPr lang="en-US" altLang="ko-KR" dirty="0"/>
-              <a:t>7.2 </a:t>
+              <a:t>2. </a:t>
             </a:r>
             <a:r>
               <a:rPr lang="ko-KR" altLang="en-US" dirty="0"/>
@@ -14183,7 +13320,7 @@
     </p:spTree>
     <p:extLst>
       <p:ext uri="{BB962C8B-B14F-4D97-AF65-F5344CB8AC3E}">
-        <p14:creationId xmlns:p14="http://schemas.microsoft.com/office/powerpoint/2010/main" val="474779165"/>
+        <p14:creationId xmlns:p14="http://schemas.microsoft.com/office/powerpoint/2010/main" val="557243368"/>
       </p:ext>
     </p:extLst>
   </p:cSld>

--- a/.gitbook/assets/chapter-05-kor.pptx
+++ b/.gitbook/assets/chapter-05-kor.pptx
@@ -5,10 +5,10 @@
     <p:sldMasterId id="2147484296" r:id="rId1"/>
   </p:sldMasterIdLst>
   <p:notesMasterIdLst>
-    <p:notesMasterId r:id="rId18"/>
+    <p:notesMasterId r:id="rId19"/>
   </p:notesMasterIdLst>
   <p:handoutMasterIdLst>
-    <p:handoutMasterId r:id="rId19"/>
+    <p:handoutMasterId r:id="rId20"/>
   </p:handoutMasterIdLst>
   <p:sldIdLst>
     <p:sldId id="345" r:id="rId2"/>
@@ -19,14 +19,15 @@
     <p:sldId id="353" r:id="rId7"/>
     <p:sldId id="355" r:id="rId8"/>
     <p:sldId id="360" r:id="rId9"/>
-    <p:sldId id="359" r:id="rId10"/>
-    <p:sldId id="362" r:id="rId11"/>
-    <p:sldId id="361" r:id="rId12"/>
-    <p:sldId id="363" r:id="rId13"/>
-    <p:sldId id="364" r:id="rId14"/>
-    <p:sldId id="367" r:id="rId15"/>
-    <p:sldId id="365" r:id="rId16"/>
-    <p:sldId id="368" r:id="rId17"/>
+    <p:sldId id="369" r:id="rId10"/>
+    <p:sldId id="359" r:id="rId11"/>
+    <p:sldId id="362" r:id="rId12"/>
+    <p:sldId id="361" r:id="rId13"/>
+    <p:sldId id="363" r:id="rId14"/>
+    <p:sldId id="364" r:id="rId15"/>
+    <p:sldId id="367" r:id="rId16"/>
+    <p:sldId id="365" r:id="rId17"/>
+    <p:sldId id="368" r:id="rId18"/>
   </p:sldIdLst>
   <p:sldSz cx="9144000" cy="6858000" type="screen4x3"/>
   <p:notesSz cx="10234613" cy="7104063"/>
@@ -785,7 +786,7 @@
               <a:pPr>
                 <a:defRPr/>
               </a:pPr>
-              <a:t>2020-01-08</a:t>
+              <a:t>2020-01-12</a:t>
             </a:fld>
             <a:endParaRPr lang="ko-KR" altLang="en-US"/>
           </a:p>
@@ -1242,36 +1243,6 @@
           </a:p>
         </p:txBody>
       </p:sp>
-      <p:pic>
-        <p:nvPicPr>
-          <p:cNvPr id="8" name="그림 7"/>
-          <p:cNvPicPr>
-            <a:picLocks noChangeAspect="1"/>
-          </p:cNvPicPr>
-          <p:nvPr userDrawn="1"/>
-        </p:nvPicPr>
-        <p:blipFill>
-          <a:blip r:embed="rId2" cstate="print">
-            <a:extLst>
-              <a:ext uri="{28A0092B-C50C-407E-A947-70E740481C1C}">
-                <a14:useLocalDpi xmlns:a14="http://schemas.microsoft.com/office/drawing/2010/main" val="0"/>
-              </a:ext>
-            </a:extLst>
-          </a:blip>
-          <a:stretch>
-            <a:fillRect/>
-          </a:stretch>
-        </p:blipFill>
-        <p:spPr>
-          <a:xfrm>
-            <a:off x="-108520" y="143635"/>
-            <a:ext cx="2255525" cy="1146050"/>
-          </a:xfrm>
-          <a:prstGeom prst="rect">
-            <a:avLst/>
-          </a:prstGeom>
-        </p:spPr>
-      </p:pic>
       <p:sp>
         <p:nvSpPr>
           <p:cNvPr id="71" name="정오각형 70"/>
@@ -2041,7 +2012,7 @@
               <a:pPr>
                 <a:defRPr/>
               </a:pPr>
-              <a:t>Wednesday, January 8, 2020</a:t>
+              <a:t>Sunday, January 12, 2020</a:t>
             </a:fld>
             <a:endParaRPr lang="en-US" dirty="0"/>
           </a:p>
@@ -2234,7 +2205,7 @@
               <a:pPr>
                 <a:defRPr/>
               </a:pPr>
-              <a:t>Wednesday, January 8, 2020</a:t>
+              <a:t>Sunday, January 12, 2020</a:t>
             </a:fld>
             <a:endParaRPr lang="en-US"/>
           </a:p>
@@ -2344,7 +2315,7 @@
               <a:pPr>
                 <a:defRPr/>
               </a:pPr>
-              <a:t>Wednesday, January 8, 2020</a:t>
+              <a:t>Sunday, January 12, 2020</a:t>
             </a:fld>
             <a:endParaRPr lang="en-US" dirty="0"/>
           </a:p>
@@ -2704,7 +2675,7 @@
               <a:pPr>
                 <a:defRPr/>
               </a:pPr>
-              <a:t>Wednesday, January 8, 2020</a:t>
+              <a:t>Sunday, January 12, 2020</a:t>
             </a:fld>
             <a:endParaRPr lang="en-US"/>
           </a:p>
@@ -3004,7 +2975,7 @@
               <a:pPr>
                 <a:defRPr/>
               </a:pPr>
-              <a:t>Wednesday, January 8, 2020</a:t>
+              <a:t>Sunday, January 12, 2020</a:t>
             </a:fld>
             <a:endParaRPr lang="en-US"/>
           </a:p>
@@ -3438,7 +3409,7 @@
               <a:pPr>
                 <a:defRPr/>
               </a:pPr>
-              <a:t>Wednesday, January 8, 2020</a:t>
+              <a:t>Sunday, January 12, 2020</a:t>
             </a:fld>
             <a:endParaRPr lang="en-US"/>
           </a:p>
@@ -3570,7 +3541,7 @@
               <a:pPr>
                 <a:defRPr/>
               </a:pPr>
-              <a:t>Wednesday, January 8, 2020</a:t>
+              <a:t>Sunday, January 12, 2020</a:t>
             </a:fld>
             <a:endParaRPr lang="en-US" dirty="0"/>
           </a:p>
@@ -3680,7 +3651,7 @@
               <a:pPr>
                 <a:defRPr/>
               </a:pPr>
-              <a:t>Wednesday, January 8, 2020</a:t>
+              <a:t>Sunday, January 12, 2020</a:t>
             </a:fld>
             <a:endParaRPr lang="en-US"/>
           </a:p>
@@ -3970,7 +3941,7 @@
               <a:pPr>
                 <a:defRPr/>
               </a:pPr>
-              <a:t>Wednesday, January 8, 2020</a:t>
+              <a:t>Sunday, January 12, 2020</a:t>
             </a:fld>
             <a:endParaRPr lang="en-US" dirty="0"/>
           </a:p>
@@ -4237,7 +4208,7 @@
               <a:pPr>
                 <a:defRPr/>
               </a:pPr>
-              <a:t>Wednesday, January 8, 2020</a:t>
+              <a:t>Sunday, January 12, 2020</a:t>
             </a:fld>
             <a:endParaRPr lang="en-US"/>
           </a:p>
@@ -4530,7 +4501,7 @@
               <a:pPr>
                 <a:defRPr/>
               </a:pPr>
-              <a:t>Wednesday, January 8, 2020</a:t>
+              <a:t>Sunday, January 12, 2020</a:t>
             </a:fld>
             <a:endParaRPr lang="en-US" dirty="0"/>
           </a:p>
@@ -4679,8 +4650,8 @@
         </p:nvSpPr>
         <p:spPr bwMode="auto">
           <a:xfrm>
-            <a:off x="8397425" y="6489340"/>
-            <a:ext cx="569387" cy="261610"/>
+            <a:off x="8391012" y="6489340"/>
+            <a:ext cx="575800" cy="253916"/>
           </a:xfrm>
           <a:prstGeom prst="rect">
             <a:avLst/>
@@ -4825,7 +4796,7 @@
               <a:defRPr/>
             </a:pPr>
             <a:fld id="{F60B237E-1E27-414E-981E-8B20D038C067}" type="slidenum">
-              <a:rPr lang="en-US" altLang="ko-KR" sz="1050" smtClean="0">
+              <a:rPr lang="en-US" altLang="ko-KR" sz="1050" b="1" smtClean="0">
                 <a:latin typeface="+mn-ea"/>
                 <a:ea typeface="+mn-ea"/>
               </a:rPr>
@@ -4835,12 +4806,16 @@
               <a:t>‹#›</a:t>
             </a:fld>
             <a:r>
-              <a:rPr lang="en-US" altLang="ko-KR" sz="1050" dirty="0">
-                <a:latin typeface="+mn-ea"/>
-                <a:ea typeface="+mn-ea"/>
-              </a:rPr>
-              <a:t>/31</a:t>
-            </a:r>
+              <a:rPr lang="en-US" altLang="ko-KR" sz="1050" b="1" dirty="0" smtClean="0">
+                <a:latin typeface="+mn-ea"/>
+                <a:ea typeface="+mn-ea"/>
+              </a:rPr>
+              <a:t>/16</a:t>
+            </a:r>
+            <a:endParaRPr lang="en-US" altLang="ko-KR" sz="1050" b="1" dirty="0">
+              <a:latin typeface="+mn-ea"/>
+              <a:ea typeface="+mn-ea"/>
+            </a:endParaRPr>
           </a:p>
         </p:txBody>
       </p:sp>
@@ -5392,6 +5367,990 @@
           <a:p>
             <a:r>
               <a:rPr lang="en-US" altLang="ko-KR" dirty="0"/>
+              <a:t>2. </a:t>
+            </a:r>
+            <a:r>
+              <a:rPr lang="ko-KR" altLang="en-US" dirty="0"/>
+              <a:t>지수분포</a:t>
+            </a:r>
+          </a:p>
+        </p:txBody>
+      </p:sp>
+      <p:sp>
+        <p:nvSpPr>
+          <p:cNvPr id="4" name="내용 개체 틀 2"/>
+          <p:cNvSpPr txBox="1">
+            <a:spLocks/>
+          </p:cNvSpPr>
+          <p:nvPr/>
+        </p:nvSpPr>
+        <p:spPr>
+          <a:xfrm>
+            <a:off x="476545" y="1314450"/>
+            <a:ext cx="8415338" cy="4781550"/>
+          </a:xfrm>
+          <a:prstGeom prst="rect">
+            <a:avLst/>
+          </a:prstGeom>
+        </p:spPr>
+        <p:txBody>
+          <a:bodyPr vert="horz" lIns="91440" tIns="45720" rIns="91440" bIns="45720" rtlCol="0">
+            <a:normAutofit/>
+          </a:bodyPr>
+          <a:lstStyle>
+            <a:lvl1pPr marL="342900" indent="-342900" algn="l" defTabSz="914400" rtl="0" eaLnBrk="1" latinLnBrk="1" hangingPunct="1">
+              <a:spcBef>
+                <a:spcPct val="20000"/>
+              </a:spcBef>
+              <a:buFont typeface="Arial" pitchFamily="34" charset="0"/>
+              <a:buChar char="•"/>
+              <a:defRPr sz="3200" kern="1200">
+                <a:solidFill>
+                  <a:schemeClr val="tx1"/>
+                </a:solidFill>
+                <a:latin typeface="+mn-lt"/>
+                <a:ea typeface="+mn-ea"/>
+                <a:cs typeface="+mn-cs"/>
+              </a:defRPr>
+            </a:lvl1pPr>
+            <a:lvl2pPr marL="742950" indent="-285750" algn="l" defTabSz="914400" rtl="0" eaLnBrk="1" latinLnBrk="1" hangingPunct="1">
+              <a:spcBef>
+                <a:spcPct val="20000"/>
+              </a:spcBef>
+              <a:buFont typeface="Arial" pitchFamily="34" charset="0"/>
+              <a:buChar char="–"/>
+              <a:defRPr sz="2800" kern="1200">
+                <a:solidFill>
+                  <a:schemeClr val="tx1"/>
+                </a:solidFill>
+                <a:latin typeface="+mn-lt"/>
+                <a:ea typeface="+mn-ea"/>
+                <a:cs typeface="+mn-cs"/>
+              </a:defRPr>
+            </a:lvl2pPr>
+            <a:lvl3pPr marL="1143000" indent="-228600" algn="l" defTabSz="914400" rtl="0" eaLnBrk="1" latinLnBrk="1" hangingPunct="1">
+              <a:spcBef>
+                <a:spcPct val="20000"/>
+              </a:spcBef>
+              <a:buFont typeface="Arial" pitchFamily="34" charset="0"/>
+              <a:buChar char="•"/>
+              <a:defRPr sz="2400" kern="1200">
+                <a:solidFill>
+                  <a:schemeClr val="tx1"/>
+                </a:solidFill>
+                <a:latin typeface="+mn-lt"/>
+                <a:ea typeface="+mn-ea"/>
+                <a:cs typeface="+mn-cs"/>
+              </a:defRPr>
+            </a:lvl3pPr>
+            <a:lvl4pPr marL="1600200" indent="-228600" algn="l" defTabSz="914400" rtl="0" eaLnBrk="1" latinLnBrk="1" hangingPunct="1">
+              <a:spcBef>
+                <a:spcPct val="20000"/>
+              </a:spcBef>
+              <a:buFont typeface="Arial" pitchFamily="34" charset="0"/>
+              <a:buChar char="–"/>
+              <a:defRPr sz="2000" kern="1200">
+                <a:solidFill>
+                  <a:schemeClr val="tx1"/>
+                </a:solidFill>
+                <a:latin typeface="+mn-lt"/>
+                <a:ea typeface="+mn-ea"/>
+                <a:cs typeface="+mn-cs"/>
+              </a:defRPr>
+            </a:lvl4pPr>
+            <a:lvl5pPr marL="2057400" indent="-228600" algn="l" defTabSz="914400" rtl="0" eaLnBrk="1" latinLnBrk="1" hangingPunct="1">
+              <a:spcBef>
+                <a:spcPct val="20000"/>
+              </a:spcBef>
+              <a:buFont typeface="Arial" pitchFamily="34" charset="0"/>
+              <a:buChar char="»"/>
+              <a:defRPr sz="2000" kern="1200">
+                <a:solidFill>
+                  <a:schemeClr val="tx1"/>
+                </a:solidFill>
+                <a:latin typeface="+mn-lt"/>
+                <a:ea typeface="+mn-ea"/>
+                <a:cs typeface="+mn-cs"/>
+              </a:defRPr>
+            </a:lvl5pPr>
+            <a:lvl6pPr marL="2514600" indent="-228600" algn="l" defTabSz="914400" rtl="0" eaLnBrk="1" latinLnBrk="1" hangingPunct="1">
+              <a:spcBef>
+                <a:spcPct val="20000"/>
+              </a:spcBef>
+              <a:buFont typeface="Arial" pitchFamily="34" charset="0"/>
+              <a:buChar char="•"/>
+              <a:defRPr sz="2000" kern="1200">
+                <a:solidFill>
+                  <a:schemeClr val="tx1"/>
+                </a:solidFill>
+                <a:latin typeface="+mn-lt"/>
+                <a:ea typeface="+mn-ea"/>
+                <a:cs typeface="+mn-cs"/>
+              </a:defRPr>
+            </a:lvl6pPr>
+            <a:lvl7pPr marL="2971800" indent="-228600" algn="l" defTabSz="914400" rtl="0" eaLnBrk="1" latinLnBrk="1" hangingPunct="1">
+              <a:spcBef>
+                <a:spcPct val="20000"/>
+              </a:spcBef>
+              <a:buFont typeface="Arial" pitchFamily="34" charset="0"/>
+              <a:buChar char="•"/>
+              <a:defRPr sz="2000" kern="1200">
+                <a:solidFill>
+                  <a:schemeClr val="tx1"/>
+                </a:solidFill>
+                <a:latin typeface="+mn-lt"/>
+                <a:ea typeface="+mn-ea"/>
+                <a:cs typeface="+mn-cs"/>
+              </a:defRPr>
+            </a:lvl7pPr>
+            <a:lvl8pPr marL="3429000" indent="-228600" algn="l" defTabSz="914400" rtl="0" eaLnBrk="1" latinLnBrk="1" hangingPunct="1">
+              <a:spcBef>
+                <a:spcPct val="20000"/>
+              </a:spcBef>
+              <a:buFont typeface="Arial" pitchFamily="34" charset="0"/>
+              <a:buChar char="•"/>
+              <a:defRPr sz="2000" kern="1200">
+                <a:solidFill>
+                  <a:schemeClr val="tx1"/>
+                </a:solidFill>
+                <a:latin typeface="+mn-lt"/>
+                <a:ea typeface="+mn-ea"/>
+                <a:cs typeface="+mn-cs"/>
+              </a:defRPr>
+            </a:lvl8pPr>
+            <a:lvl9pPr marL="3886200" indent="-228600" algn="l" defTabSz="914400" rtl="0" eaLnBrk="1" latinLnBrk="1" hangingPunct="1">
+              <a:spcBef>
+                <a:spcPct val="20000"/>
+              </a:spcBef>
+              <a:buFont typeface="Arial" pitchFamily="34" charset="0"/>
+              <a:buChar char="•"/>
+              <a:defRPr sz="2000" kern="1200">
+                <a:solidFill>
+                  <a:schemeClr val="tx1"/>
+                </a:solidFill>
+                <a:latin typeface="+mn-lt"/>
+                <a:ea typeface="+mn-ea"/>
+                <a:cs typeface="+mn-cs"/>
+              </a:defRPr>
+            </a:lvl9pPr>
+          </a:lstStyle>
+          <a:p>
+            <a:pPr marL="0" indent="0">
+              <a:buNone/>
+            </a:pPr>
+            <a:r>
+              <a:rPr lang="en-US" altLang="ko-KR" sz="2400" dirty="0"/>
+              <a:t>[</a:t>
+            </a:r>
+            <a:r>
+              <a:rPr lang="ko-KR" altLang="en-US" sz="2400" dirty="0"/>
+              <a:t>정리 </a:t>
+            </a:r>
+            <a:r>
+              <a:rPr lang="en-US" altLang="ko-KR" sz="2400" dirty="0"/>
+              <a:t>7-1] </a:t>
+            </a:r>
+            <a:r>
+              <a:rPr lang="ko-KR" altLang="en-US" sz="2400" dirty="0"/>
+              <a:t>지수분포의 </a:t>
+            </a:r>
+            <a:r>
+              <a:rPr lang="ko-KR" altLang="en-US" sz="2400" dirty="0" err="1"/>
+              <a:t>비기억</a:t>
+            </a:r>
+            <a:r>
+              <a:rPr lang="en-US" altLang="ko-KR" sz="2400" dirty="0"/>
+              <a:t>(memoryless) </a:t>
+            </a:r>
+            <a:r>
+              <a:rPr lang="ko-KR" altLang="en-US" sz="2400" dirty="0"/>
+              <a:t>특성</a:t>
+            </a:r>
+          </a:p>
+          <a:p>
+            <a:pPr marL="0" lvl="1" indent="0" fontAlgn="auto">
+              <a:spcAft>
+                <a:spcPts val="0"/>
+              </a:spcAft>
+              <a:buFont typeface="Arial" pitchFamily="34" charset="0"/>
+              <a:buNone/>
+            </a:pPr>
+            <a:endParaRPr kumimoji="0" lang="en-US" altLang="ko-KR" sz="2400" dirty="0"/>
+          </a:p>
+        </p:txBody>
+      </p:sp>
+      <p:sp>
+        <p:nvSpPr>
+          <p:cNvPr id="7" name="모서리가 둥근 직사각형 6"/>
+          <p:cNvSpPr/>
+          <p:nvPr/>
+        </p:nvSpPr>
+        <p:spPr>
+          <a:xfrm>
+            <a:off x="476545" y="1268761"/>
+            <a:ext cx="8145905" cy="1170130"/>
+          </a:xfrm>
+          <a:prstGeom prst="roundRect">
+            <a:avLst>
+              <a:gd name="adj" fmla="val 17857"/>
+            </a:avLst>
+          </a:prstGeom>
+          <a:noFill/>
+          <a:ln w="38100">
+            <a:solidFill>
+              <a:schemeClr val="accent5">
+                <a:lumMod val="40000"/>
+                <a:lumOff val="60000"/>
+              </a:schemeClr>
+            </a:solidFill>
+          </a:ln>
+        </p:spPr>
+        <p:style>
+          <a:lnRef idx="2">
+            <a:schemeClr val="accent1">
+              <a:shade val="50000"/>
+            </a:schemeClr>
+          </a:lnRef>
+          <a:fillRef idx="1">
+            <a:schemeClr val="accent1"/>
+          </a:fillRef>
+          <a:effectRef idx="0">
+            <a:schemeClr val="accent1"/>
+          </a:effectRef>
+          <a:fontRef idx="minor">
+            <a:schemeClr val="lt1"/>
+          </a:fontRef>
+        </p:style>
+        <p:txBody>
+          <a:bodyPr rtlCol="0" anchor="ctr"/>
+          <a:lstStyle/>
+          <a:p>
+            <a:pPr algn="ctr"/>
+            <a:endParaRPr lang="ko-KR" altLang="en-US"/>
+          </a:p>
+        </p:txBody>
+      </p:sp>
+      <p:pic>
+        <p:nvPicPr>
+          <p:cNvPr id="5" name="Picture 696"/>
+          <p:cNvPicPr>
+            <a:picLocks noChangeAspect="1" noChangeArrowheads="1"/>
+          </p:cNvPicPr>
+          <p:nvPr/>
+        </p:nvPicPr>
+        <p:blipFill>
+          <a:blip r:embed="rId2">
+            <a:extLst>
+              <a:ext uri="{28A0092B-C50C-407E-A947-70E740481C1C}">
+                <a14:useLocalDpi xmlns:a14="http://schemas.microsoft.com/office/drawing/2010/main" val="0"/>
+              </a:ext>
+            </a:extLst>
+          </a:blip>
+          <a:srcRect/>
+          <a:stretch>
+            <a:fillRect/>
+          </a:stretch>
+        </p:blipFill>
+        <p:spPr bwMode="auto">
+          <a:xfrm>
+            <a:off x="2441705" y="1842390"/>
+            <a:ext cx="4200525" cy="371475"/>
+          </a:xfrm>
+          <a:prstGeom prst="rect">
+            <a:avLst/>
+          </a:prstGeom>
+          <a:noFill/>
+          <a:ln>
+            <a:noFill/>
+          </a:ln>
+          <a:extLst>
+            <a:ext uri="{909E8E84-426E-40DD-AFC4-6F175D3DCCD1}">
+              <a14:hiddenFill xmlns:a14="http://schemas.microsoft.com/office/drawing/2010/main">
+                <a:solidFill>
+                  <a:schemeClr val="accent1"/>
+                </a:solidFill>
+              </a14:hiddenFill>
+            </a:ext>
+            <a:ext uri="{91240B29-F687-4F45-9708-019B960494DF}">
+              <a14:hiddenLine xmlns:a14="http://schemas.microsoft.com/office/drawing/2010/main" w="9525">
+                <a:solidFill>
+                  <a:schemeClr val="tx1"/>
+                </a:solidFill>
+                <a:miter lim="800000"/>
+                <a:headEnd/>
+                <a:tailEnd/>
+              </a14:hiddenLine>
+            </a:ext>
+          </a:extLst>
+        </p:spPr>
+      </p:pic>
+      <p:sp>
+        <p:nvSpPr>
+          <p:cNvPr id="6" name="슬라이드 번호 개체 틀 4"/>
+          <p:cNvSpPr>
+            <a:spLocks noGrp="1"/>
+          </p:cNvSpPr>
+          <p:nvPr>
+            <p:ph type="sldNum" sz="quarter" idx="12"/>
+          </p:nvPr>
+        </p:nvSpPr>
+        <p:spPr>
+          <a:xfrm>
+            <a:off x="6553200" y="6356350"/>
+            <a:ext cx="2133600" cy="365125"/>
+          </a:xfrm>
+        </p:spPr>
+        <p:txBody>
+          <a:bodyPr/>
+          <a:lstStyle/>
+          <a:p>
+            <a:fld id="{4F5174AF-FADA-4093-86AE-69958A02D9B7}" type="slidenum">
+              <a:rPr lang="ko-KR" altLang="en-US" sz="1800" smtClean="0">
+                <a:latin typeface="+mn-ea"/>
+                <a:ea typeface="+mn-ea"/>
+              </a:rPr>
+              <a:pPr/>
+              <a:t>10</a:t>
+            </a:fld>
+            <a:endParaRPr lang="ko-KR" altLang="en-US" sz="1800">
+              <a:latin typeface="+mn-ea"/>
+              <a:ea typeface="+mn-ea"/>
+            </a:endParaRPr>
+          </a:p>
+        </p:txBody>
+      </p:sp>
+      <p:sp>
+        <p:nvSpPr>
+          <p:cNvPr id="8" name="TextBox 7"/>
+          <p:cNvSpPr txBox="1"/>
+          <p:nvPr/>
+        </p:nvSpPr>
+        <p:spPr>
+          <a:xfrm>
+            <a:off x="489651" y="3185182"/>
+            <a:ext cx="8208912" cy="646331"/>
+          </a:xfrm>
+          <a:prstGeom prst="rect">
+            <a:avLst/>
+          </a:prstGeom>
+          <a:noFill/>
+        </p:spPr>
+        <p:txBody>
+          <a:bodyPr wrap="square" rtlCol="0">
+            <a:spAutoFit/>
+          </a:bodyPr>
+          <a:lstStyle>
+            <a:defPPr>
+              <a:defRPr lang="ko-KR"/>
+            </a:defPPr>
+            <a:lvl1pPr marL="900000" indent="-900000">
+              <a:defRPr sz="2000" b="1"/>
+            </a:lvl1pPr>
+          </a:lstStyle>
+          <a:p>
+            <a:r>
+              <a:rPr lang="en-US" altLang="ko-KR" sz="1800" b="0" dirty="0">
+                <a:latin typeface="+mn-ea"/>
+                <a:ea typeface="+mn-ea"/>
+              </a:rPr>
+              <a:t>[</a:t>
+            </a:r>
+            <a:r>
+              <a:rPr lang="ko-KR" altLang="en-US" sz="1800" b="0" dirty="0">
+                <a:latin typeface="+mn-ea"/>
+                <a:ea typeface="+mn-ea"/>
+              </a:rPr>
+              <a:t>예 </a:t>
+            </a:r>
+            <a:r>
+              <a:rPr lang="en-US" altLang="ko-KR" sz="1800" b="0" dirty="0">
+                <a:latin typeface="+mn-ea"/>
+                <a:ea typeface="+mn-ea"/>
+              </a:rPr>
+              <a:t>7-3] </a:t>
+            </a:r>
+            <a:r>
+              <a:rPr lang="ko-KR" altLang="en-US" sz="1800" b="0" dirty="0">
+                <a:latin typeface="+mn-ea"/>
+                <a:ea typeface="+mn-ea"/>
+              </a:rPr>
+              <a:t>평균수명이 </a:t>
+            </a:r>
+            <a:r>
+              <a:rPr lang="en-US" altLang="ko-KR" sz="1800" b="0" dirty="0">
+                <a:latin typeface="+mn-ea"/>
+                <a:ea typeface="+mn-ea"/>
+              </a:rPr>
+              <a:t>10</a:t>
+            </a:r>
+            <a:r>
+              <a:rPr lang="ko-KR" altLang="en-US" sz="1800" b="0" dirty="0">
+                <a:latin typeface="+mn-ea"/>
+                <a:ea typeface="+mn-ea"/>
+              </a:rPr>
+              <a:t>년인 지수분포를 따르는 제품을 </a:t>
+            </a:r>
+            <a:r>
+              <a:rPr lang="en-US" altLang="ko-KR" sz="1800" b="0" dirty="0">
+                <a:latin typeface="+mn-ea"/>
+                <a:ea typeface="+mn-ea"/>
+              </a:rPr>
+              <a:t>5</a:t>
+            </a:r>
+            <a:r>
+              <a:rPr lang="ko-KR" altLang="en-US" sz="1800" b="0" dirty="0">
+                <a:latin typeface="+mn-ea"/>
+                <a:ea typeface="+mn-ea"/>
+              </a:rPr>
+              <a:t>년간 고장 없이 사용했을 때</a:t>
+            </a:r>
+            <a:r>
+              <a:rPr lang="en-US" altLang="ko-KR" sz="1800" b="0" dirty="0">
+                <a:latin typeface="+mn-ea"/>
+                <a:ea typeface="+mn-ea"/>
+              </a:rPr>
+              <a:t>, </a:t>
+            </a:r>
+            <a:r>
+              <a:rPr lang="ko-KR" altLang="en-US" sz="1800" b="0" dirty="0">
+                <a:latin typeface="+mn-ea"/>
+                <a:ea typeface="+mn-ea"/>
+              </a:rPr>
+              <a:t>앞으로 </a:t>
+            </a:r>
+            <a:r>
+              <a:rPr lang="en-US" altLang="ko-KR" sz="1800" b="0" dirty="0">
+                <a:latin typeface="+mn-ea"/>
+                <a:ea typeface="+mn-ea"/>
+              </a:rPr>
+              <a:t>3</a:t>
+            </a:r>
+            <a:r>
+              <a:rPr lang="ko-KR" altLang="en-US" sz="1800" b="0" dirty="0">
+                <a:latin typeface="+mn-ea"/>
+                <a:ea typeface="+mn-ea"/>
+              </a:rPr>
+              <a:t>년 더 고장 없이 작동할 확률</a:t>
+            </a:r>
+            <a:r>
+              <a:rPr lang="en-US" altLang="ko-KR" sz="1800" b="0" dirty="0">
+                <a:latin typeface="+mn-ea"/>
+                <a:ea typeface="+mn-ea"/>
+              </a:rPr>
+              <a:t>?</a:t>
+            </a:r>
+            <a:endParaRPr lang="ko-KR" altLang="en-US" sz="1800" b="0" dirty="0">
+              <a:latin typeface="+mn-ea"/>
+              <a:ea typeface="+mn-ea"/>
+            </a:endParaRPr>
+          </a:p>
+        </p:txBody>
+      </p:sp>
+      <p:sp>
+        <p:nvSpPr>
+          <p:cNvPr id="9" name="TextBox 8"/>
+          <p:cNvSpPr txBox="1"/>
+          <p:nvPr/>
+        </p:nvSpPr>
+        <p:spPr>
+          <a:xfrm>
+            <a:off x="489651" y="4398485"/>
+            <a:ext cx="8208912" cy="646331"/>
+          </a:xfrm>
+          <a:prstGeom prst="rect">
+            <a:avLst/>
+          </a:prstGeom>
+          <a:noFill/>
+        </p:spPr>
+        <p:txBody>
+          <a:bodyPr wrap="square" rtlCol="0">
+            <a:spAutoFit/>
+          </a:bodyPr>
+          <a:lstStyle>
+            <a:defPPr>
+              <a:defRPr lang="ko-KR"/>
+            </a:defPPr>
+            <a:lvl1pPr marL="900000" indent="-900000">
+              <a:defRPr sz="2000" b="1"/>
+            </a:lvl1pPr>
+          </a:lstStyle>
+          <a:p>
+            <a:r>
+              <a:rPr lang="en-US" altLang="ko-KR" sz="1800" b="0" dirty="0">
+                <a:latin typeface="+mn-ea"/>
+                <a:ea typeface="+mn-ea"/>
+              </a:rPr>
+              <a:t>[</a:t>
+            </a:r>
+            <a:r>
+              <a:rPr lang="ko-KR" altLang="en-US" sz="1800" b="0" dirty="0">
+                <a:latin typeface="+mn-ea"/>
+                <a:ea typeface="+mn-ea"/>
+              </a:rPr>
+              <a:t>예 </a:t>
+            </a:r>
+            <a:r>
+              <a:rPr lang="en-US" altLang="ko-KR" sz="1800" b="0" dirty="0">
+                <a:latin typeface="+mn-ea"/>
+                <a:ea typeface="+mn-ea"/>
+              </a:rPr>
+              <a:t>7-4] </a:t>
+            </a:r>
+            <a:r>
+              <a:rPr lang="ko-KR" altLang="en-US" sz="1800" b="0" dirty="0">
+                <a:latin typeface="+mn-ea"/>
+                <a:ea typeface="+mn-ea"/>
+              </a:rPr>
+              <a:t>평균수명이 </a:t>
+            </a:r>
+            <a:r>
+              <a:rPr lang="en-US" altLang="ko-KR" sz="1800" b="0" dirty="0">
+                <a:latin typeface="+mn-ea"/>
+                <a:ea typeface="+mn-ea"/>
+              </a:rPr>
+              <a:t>10,000</a:t>
+            </a:r>
+            <a:r>
+              <a:rPr lang="ko-KR" altLang="en-US" sz="1800" b="0" dirty="0">
+                <a:latin typeface="+mn-ea"/>
+                <a:ea typeface="+mn-ea"/>
+              </a:rPr>
+              <a:t>시간인 지수분포를 따르는 시스템에 대하여 </a:t>
+            </a:r>
+            <a:r>
+              <a:rPr lang="en-US" altLang="ko-KR" sz="1800" b="0" dirty="0">
+                <a:latin typeface="+mn-ea"/>
+                <a:ea typeface="+mn-ea"/>
+              </a:rPr>
+              <a:t>90%</a:t>
+            </a:r>
+            <a:r>
+              <a:rPr lang="ko-KR" altLang="en-US" sz="1800" b="0" dirty="0">
+                <a:latin typeface="+mn-ea"/>
+                <a:ea typeface="+mn-ea"/>
+              </a:rPr>
+              <a:t>의 확률로 고장 없이 작동할 시간을 구하시오</a:t>
+            </a:r>
+            <a:r>
+              <a:rPr lang="en-US" altLang="ko-KR" sz="1800" b="0" dirty="0">
+                <a:latin typeface="+mn-ea"/>
+                <a:ea typeface="+mn-ea"/>
+              </a:rPr>
+              <a:t>.</a:t>
+            </a:r>
+            <a:endParaRPr lang="ko-KR" altLang="en-US" sz="1800" b="0" dirty="0">
+              <a:latin typeface="+mn-ea"/>
+              <a:ea typeface="+mn-ea"/>
+            </a:endParaRPr>
+          </a:p>
+        </p:txBody>
+      </p:sp>
+      <p:sp>
+        <p:nvSpPr>
+          <p:cNvPr id="10" name="TextBox 9"/>
+          <p:cNvSpPr txBox="1"/>
+          <p:nvPr/>
+        </p:nvSpPr>
+        <p:spPr>
+          <a:xfrm>
+            <a:off x="489651" y="5478605"/>
+            <a:ext cx="8208912" cy="646331"/>
+          </a:xfrm>
+          <a:prstGeom prst="rect">
+            <a:avLst/>
+          </a:prstGeom>
+          <a:noFill/>
+        </p:spPr>
+        <p:txBody>
+          <a:bodyPr wrap="square" rtlCol="0">
+            <a:spAutoFit/>
+          </a:bodyPr>
+          <a:lstStyle>
+            <a:defPPr>
+              <a:defRPr lang="ko-KR"/>
+            </a:defPPr>
+            <a:lvl1pPr marL="900000" indent="-900000">
+              <a:defRPr sz="2000" b="1"/>
+            </a:lvl1pPr>
+          </a:lstStyle>
+          <a:p>
+            <a:r>
+              <a:rPr lang="en-US" altLang="ko-KR" sz="1800" b="0" dirty="0">
+                <a:latin typeface="+mn-ea"/>
+                <a:ea typeface="+mn-ea"/>
+              </a:rPr>
+              <a:t>[</a:t>
+            </a:r>
+            <a:r>
+              <a:rPr lang="ko-KR" altLang="en-US" sz="1800" b="0" dirty="0">
+                <a:latin typeface="+mn-ea"/>
+                <a:ea typeface="+mn-ea"/>
+              </a:rPr>
+              <a:t>예 </a:t>
+            </a:r>
+            <a:r>
+              <a:rPr lang="en-US" altLang="ko-KR" sz="1800" b="0" dirty="0">
+                <a:latin typeface="+mn-ea"/>
+                <a:ea typeface="+mn-ea"/>
+              </a:rPr>
+              <a:t>7-5] </a:t>
+            </a:r>
+            <a:r>
+              <a:rPr lang="ko-KR" altLang="en-US" sz="1800" b="0" dirty="0">
+                <a:latin typeface="+mn-ea"/>
+                <a:ea typeface="+mn-ea"/>
+              </a:rPr>
+              <a:t>지수수명분포를 따르는 시스템에 대하여 </a:t>
+            </a:r>
+            <a:r>
+              <a:rPr lang="en-US" altLang="ko-KR" sz="1800" b="0" dirty="0">
+                <a:latin typeface="+mn-ea"/>
+                <a:ea typeface="+mn-ea"/>
+              </a:rPr>
+              <a:t>10,000</a:t>
+            </a:r>
+            <a:r>
+              <a:rPr lang="ko-KR" altLang="en-US" sz="1800" b="0" dirty="0">
+                <a:latin typeface="+mn-ea"/>
+                <a:ea typeface="+mn-ea"/>
+              </a:rPr>
+              <a:t>시간 까지 작동할 확률이 </a:t>
+            </a:r>
+            <a:r>
+              <a:rPr lang="en-US" altLang="ko-KR" sz="1800" b="0" dirty="0">
+                <a:latin typeface="+mn-ea"/>
+                <a:ea typeface="+mn-ea"/>
+              </a:rPr>
+              <a:t>90%</a:t>
+            </a:r>
+            <a:r>
+              <a:rPr lang="ko-KR" altLang="en-US" sz="1800" b="0" dirty="0">
+                <a:latin typeface="+mn-ea"/>
+                <a:ea typeface="+mn-ea"/>
+              </a:rPr>
+              <a:t>이상 이길 요구한다면</a:t>
+            </a:r>
+            <a:r>
+              <a:rPr lang="en-US" altLang="ko-KR" sz="1800" b="0" dirty="0">
+                <a:latin typeface="+mn-ea"/>
+                <a:ea typeface="+mn-ea"/>
+              </a:rPr>
+              <a:t>, </a:t>
+            </a:r>
+            <a:r>
+              <a:rPr lang="el-GR" altLang="ko-KR" sz="1800" b="0" dirty="0">
+                <a:latin typeface="+mn-ea"/>
+                <a:ea typeface="+mn-ea"/>
+              </a:rPr>
+              <a:t>λ</a:t>
+            </a:r>
+            <a:r>
+              <a:rPr lang="ko-KR" altLang="en-US" sz="1800" b="0" dirty="0">
+                <a:latin typeface="+mn-ea"/>
+                <a:ea typeface="+mn-ea"/>
+              </a:rPr>
+              <a:t>는 얼마 이하</a:t>
+            </a:r>
+            <a:r>
+              <a:rPr lang="en-US" altLang="ko-KR" sz="1800" b="0" dirty="0">
+                <a:latin typeface="+mn-ea"/>
+                <a:ea typeface="+mn-ea"/>
+              </a:rPr>
+              <a:t>?</a:t>
+            </a:r>
+            <a:endParaRPr lang="ko-KR" altLang="en-US" sz="1800" b="0" dirty="0">
+              <a:latin typeface="+mn-ea"/>
+              <a:ea typeface="+mn-ea"/>
+            </a:endParaRPr>
+          </a:p>
+        </p:txBody>
+      </p:sp>
+      <p:pic>
+        <p:nvPicPr>
+          <p:cNvPr id="11" name="Picture 697"/>
+          <p:cNvPicPr>
+            <a:picLocks noChangeAspect="1" noChangeArrowheads="1"/>
+          </p:cNvPicPr>
+          <p:nvPr/>
+        </p:nvPicPr>
+        <p:blipFill>
+          <a:blip r:embed="rId3">
+            <a:extLst>
+              <a:ext uri="{28A0092B-C50C-407E-A947-70E740481C1C}">
+                <a14:useLocalDpi xmlns:a14="http://schemas.microsoft.com/office/drawing/2010/main" val="0"/>
+              </a:ext>
+            </a:extLst>
+          </a:blip>
+          <a:srcRect/>
+          <a:stretch>
+            <a:fillRect/>
+          </a:stretch>
+        </p:blipFill>
+        <p:spPr bwMode="auto">
+          <a:xfrm>
+            <a:off x="1923847" y="2528135"/>
+            <a:ext cx="6018596" cy="614144"/>
+          </a:xfrm>
+          <a:prstGeom prst="rect">
+            <a:avLst/>
+          </a:prstGeom>
+          <a:noFill/>
+          <a:ln>
+            <a:noFill/>
+          </a:ln>
+          <a:extLst>
+            <a:ext uri="{909E8E84-426E-40DD-AFC4-6F175D3DCCD1}">
+              <a14:hiddenFill xmlns:a14="http://schemas.microsoft.com/office/drawing/2010/main">
+                <a:solidFill>
+                  <a:schemeClr val="accent1"/>
+                </a:solidFill>
+              </a14:hiddenFill>
+            </a:ext>
+            <a:ext uri="{91240B29-F687-4F45-9708-019B960494DF}">
+              <a14:hiddenLine xmlns:a14="http://schemas.microsoft.com/office/drawing/2010/main" w="9525">
+                <a:solidFill>
+                  <a:schemeClr val="tx1"/>
+                </a:solidFill>
+                <a:miter lim="800000"/>
+                <a:headEnd/>
+                <a:tailEnd/>
+              </a14:hiddenLine>
+            </a:ext>
+          </a:extLst>
+        </p:spPr>
+      </p:pic>
+      <p:pic>
+        <p:nvPicPr>
+          <p:cNvPr id="12" name="Picture 698"/>
+          <p:cNvPicPr>
+            <a:picLocks noChangeAspect="1" noChangeArrowheads="1"/>
+          </p:cNvPicPr>
+          <p:nvPr/>
+        </p:nvPicPr>
+        <p:blipFill>
+          <a:blip r:embed="rId4">
+            <a:extLst>
+              <a:ext uri="{28A0092B-C50C-407E-A947-70E740481C1C}">
+                <a14:useLocalDpi xmlns:a14="http://schemas.microsoft.com/office/drawing/2010/main" val="0"/>
+              </a:ext>
+            </a:extLst>
+          </a:blip>
+          <a:srcRect/>
+          <a:stretch>
+            <a:fillRect/>
+          </a:stretch>
+        </p:blipFill>
+        <p:spPr bwMode="auto">
+          <a:xfrm>
+            <a:off x="1724513" y="3815657"/>
+            <a:ext cx="5592792" cy="597766"/>
+          </a:xfrm>
+          <a:prstGeom prst="rect">
+            <a:avLst/>
+          </a:prstGeom>
+          <a:noFill/>
+          <a:ln>
+            <a:noFill/>
+          </a:ln>
+          <a:extLst>
+            <a:ext uri="{909E8E84-426E-40DD-AFC4-6F175D3DCCD1}">
+              <a14:hiddenFill xmlns:a14="http://schemas.microsoft.com/office/drawing/2010/main">
+                <a:solidFill>
+                  <a:schemeClr val="accent1"/>
+                </a:solidFill>
+              </a14:hiddenFill>
+            </a:ext>
+            <a:ext uri="{91240B29-F687-4F45-9708-019B960494DF}">
+              <a14:hiddenLine xmlns:a14="http://schemas.microsoft.com/office/drawing/2010/main" w="9525">
+                <a:solidFill>
+                  <a:schemeClr val="tx1"/>
+                </a:solidFill>
+                <a:miter lim="800000"/>
+                <a:headEnd/>
+                <a:tailEnd/>
+              </a14:hiddenLine>
+            </a:ext>
+          </a:extLst>
+        </p:spPr>
+      </p:pic>
+      <p:pic>
+        <p:nvPicPr>
+          <p:cNvPr id="13" name="Picture 699"/>
+          <p:cNvPicPr>
+            <a:picLocks noChangeAspect="1" noChangeArrowheads="1"/>
+          </p:cNvPicPr>
+          <p:nvPr/>
+        </p:nvPicPr>
+        <p:blipFill>
+          <a:blip r:embed="rId5">
+            <a:extLst>
+              <a:ext uri="{28A0092B-C50C-407E-A947-70E740481C1C}">
+                <a14:useLocalDpi xmlns:a14="http://schemas.microsoft.com/office/drawing/2010/main" val="0"/>
+              </a:ext>
+            </a:extLst>
+          </a:blip>
+          <a:srcRect/>
+          <a:stretch>
+            <a:fillRect/>
+          </a:stretch>
+        </p:blipFill>
+        <p:spPr bwMode="auto">
+          <a:xfrm>
+            <a:off x="1657308" y="5087391"/>
+            <a:ext cx="5789318" cy="319356"/>
+          </a:xfrm>
+          <a:prstGeom prst="rect">
+            <a:avLst/>
+          </a:prstGeom>
+          <a:noFill/>
+          <a:ln>
+            <a:noFill/>
+          </a:ln>
+          <a:extLst>
+            <a:ext uri="{909E8E84-426E-40DD-AFC4-6F175D3DCCD1}">
+              <a14:hiddenFill xmlns:a14="http://schemas.microsoft.com/office/drawing/2010/main">
+                <a:solidFill>
+                  <a:schemeClr val="accent1"/>
+                </a:solidFill>
+              </a14:hiddenFill>
+            </a:ext>
+            <a:ext uri="{91240B29-F687-4F45-9708-019B960494DF}">
+              <a14:hiddenLine xmlns:a14="http://schemas.microsoft.com/office/drawing/2010/main" w="9525">
+                <a:solidFill>
+                  <a:schemeClr val="tx1"/>
+                </a:solidFill>
+                <a:miter lim="800000"/>
+                <a:headEnd/>
+                <a:tailEnd/>
+              </a14:hiddenLine>
+            </a:ext>
+          </a:extLst>
+        </p:spPr>
+      </p:pic>
+      <p:pic>
+        <p:nvPicPr>
+          <p:cNvPr id="14" name="Picture 700"/>
+          <p:cNvPicPr>
+            <a:picLocks noChangeAspect="1" noChangeArrowheads="1"/>
+          </p:cNvPicPr>
+          <p:nvPr/>
+        </p:nvPicPr>
+        <p:blipFill>
+          <a:blip r:embed="rId6">
+            <a:extLst>
+              <a:ext uri="{28A0092B-C50C-407E-A947-70E740481C1C}">
+                <a14:useLocalDpi xmlns:a14="http://schemas.microsoft.com/office/drawing/2010/main" val="0"/>
+              </a:ext>
+            </a:extLst>
+          </a:blip>
+          <a:srcRect/>
+          <a:stretch>
+            <a:fillRect/>
+          </a:stretch>
+        </p:blipFill>
+        <p:spPr bwMode="auto">
+          <a:xfrm>
+            <a:off x="1519543" y="6169031"/>
+            <a:ext cx="6157802" cy="524068"/>
+          </a:xfrm>
+          <a:prstGeom prst="rect">
+            <a:avLst/>
+          </a:prstGeom>
+          <a:noFill/>
+          <a:ln>
+            <a:noFill/>
+          </a:ln>
+          <a:extLst>
+            <a:ext uri="{909E8E84-426E-40DD-AFC4-6F175D3DCCD1}">
+              <a14:hiddenFill xmlns:a14="http://schemas.microsoft.com/office/drawing/2010/main">
+                <a:solidFill>
+                  <a:schemeClr val="accent1"/>
+                </a:solidFill>
+              </a14:hiddenFill>
+            </a:ext>
+            <a:ext uri="{91240B29-F687-4F45-9708-019B960494DF}">
+              <a14:hiddenLine xmlns:a14="http://schemas.microsoft.com/office/drawing/2010/main" w="9525">
+                <a:solidFill>
+                  <a:schemeClr val="tx1"/>
+                </a:solidFill>
+                <a:miter lim="800000"/>
+                <a:headEnd/>
+                <a:tailEnd/>
+              </a14:hiddenLine>
+            </a:ext>
+          </a:extLst>
+        </p:spPr>
+      </p:pic>
+    </p:spTree>
+    <p:extLst>
+      <p:ext uri="{BB962C8B-B14F-4D97-AF65-F5344CB8AC3E}">
+        <p14:creationId xmlns:p14="http://schemas.microsoft.com/office/powerpoint/2010/main" val="557243368"/>
+      </p:ext>
+    </p:extLst>
+  </p:cSld>
+  <p:clrMapOvr>
+    <a:masterClrMapping/>
+  </p:clrMapOvr>
+</p:sld>
+</file>
+
+<file path=ppt/slides/slide11.xml><?xml version="1.0" encoding="utf-8"?>
+<p:sld xmlns:a="http://schemas.openxmlformats.org/drawingml/2006/main" xmlns:r="http://schemas.openxmlformats.org/officeDocument/2006/relationships" xmlns:p="http://schemas.openxmlformats.org/presentationml/2006/main">
+  <p:cSld>
+    <p:spTree>
+      <p:nvGrpSpPr>
+        <p:cNvPr id="1" name=""/>
+        <p:cNvGrpSpPr/>
+        <p:nvPr/>
+      </p:nvGrpSpPr>
+      <p:grpSpPr>
+        <a:xfrm>
+          <a:off x="0" y="0"/>
+          <a:ext cx="0" cy="0"/>
+          <a:chOff x="0" y="0"/>
+          <a:chExt cx="0" cy="0"/>
+        </a:xfrm>
+      </p:grpSpPr>
+      <p:sp>
+        <p:nvSpPr>
+          <p:cNvPr id="40" name="제목 1"/>
+          <p:cNvSpPr txBox="1">
+            <a:spLocks/>
+          </p:cNvSpPr>
+          <p:nvPr/>
+        </p:nvSpPr>
+        <p:spPr>
+          <a:xfrm>
+            <a:off x="476545" y="368660"/>
+            <a:ext cx="8289630" cy="765086"/>
+          </a:xfrm>
+          <a:prstGeom prst="rect">
+            <a:avLst/>
+          </a:prstGeom>
+        </p:spPr>
+        <p:txBody>
+          <a:bodyPr vert="horz" lIns="91440" tIns="45720" rIns="91440" bIns="45720" rtlCol="0" anchor="ctr">
+            <a:normAutofit/>
+          </a:bodyPr>
+          <a:lstStyle>
+            <a:lvl1pPr algn="l" defTabSz="914400" rtl="0" eaLnBrk="1" latinLnBrk="1" hangingPunct="1">
+              <a:spcBef>
+                <a:spcPct val="0"/>
+              </a:spcBef>
+              <a:buNone/>
+              <a:defRPr sz="3600" b="1" kern="1200">
+                <a:solidFill>
+                  <a:schemeClr val="tx1"/>
+                </a:solidFill>
+                <a:latin typeface="+mj-lt"/>
+                <a:ea typeface="+mj-ea"/>
+                <a:cs typeface="+mj-cs"/>
+              </a:defRPr>
+            </a:lvl1pPr>
+          </a:lstStyle>
+          <a:p>
+            <a:r>
+              <a:rPr lang="en-US" altLang="ko-KR" dirty="0"/>
               <a:t>3. </a:t>
             </a:r>
             <a:r>
@@ -6160,7 +7119,7 @@
 </p:sld>
 </file>
 
-<file path=ppt/slides/slide11.xml><?xml version="1.0" encoding="utf-8"?>
+<file path=ppt/slides/slide12.xml><?xml version="1.0" encoding="utf-8"?>
 <p:sld xmlns:a="http://schemas.openxmlformats.org/drawingml/2006/main" xmlns:r="http://schemas.openxmlformats.org/officeDocument/2006/relationships" xmlns:p="http://schemas.openxmlformats.org/presentationml/2006/main">
   <p:cSld>
     <p:spTree>
@@ -6808,7 +7767,7 @@
 </p:sld>
 </file>
 
-<file path=ppt/slides/slide12.xml><?xml version="1.0" encoding="utf-8"?>
+<file path=ppt/slides/slide13.xml><?xml version="1.0" encoding="utf-8"?>
 <p:sld xmlns:a="http://schemas.openxmlformats.org/drawingml/2006/main" xmlns:r="http://schemas.openxmlformats.org/officeDocument/2006/relationships" xmlns:p="http://schemas.openxmlformats.org/presentationml/2006/main">
   <p:cSld>
     <p:spTree>
@@ -7350,7 +8309,7 @@
             <a:fld id="{4F5174AF-FADA-4093-86AE-69958A02D9B7}" type="slidenum">
               <a:rPr lang="ko-KR" altLang="en-US" smtClean="0"/>
               <a:pPr/>
-              <a:t>12</a:t>
+              <a:t>13</a:t>
             </a:fld>
             <a:endParaRPr lang="ko-KR" altLang="en-US"/>
           </a:p>
@@ -7474,7 +8433,7 @@
 </p:sld>
 </file>
 
-<file path=ppt/slides/slide13.xml><?xml version="1.0" encoding="utf-8"?>
+<file path=ppt/slides/slide14.xml><?xml version="1.0" encoding="utf-8"?>
 <p:sld xmlns:a="http://schemas.openxmlformats.org/drawingml/2006/main" xmlns:r="http://schemas.openxmlformats.org/officeDocument/2006/relationships" xmlns:p="http://schemas.openxmlformats.org/presentationml/2006/main">
   <p:cSld>
     <p:spTree>
@@ -7651,7 +8610,7 @@
 </p:sld>
 </file>
 
-<file path=ppt/slides/slide14.xml><?xml version="1.0" encoding="utf-8"?>
+<file path=ppt/slides/slide15.xml><?xml version="1.0" encoding="utf-8"?>
 <p:sld xmlns:a="http://schemas.openxmlformats.org/drawingml/2006/main" xmlns:r="http://schemas.openxmlformats.org/officeDocument/2006/relationships" xmlns:p="http://schemas.openxmlformats.org/presentationml/2006/main">
   <p:cSld>
     <p:spTree>
@@ -7829,7 +8788,7 @@
 </p:sld>
 </file>
 
-<file path=ppt/slides/slide15.xml><?xml version="1.0" encoding="utf-8"?>
+<file path=ppt/slides/slide16.xml><?xml version="1.0" encoding="utf-8"?>
 <p:sld xmlns:a="http://schemas.openxmlformats.org/drawingml/2006/main" xmlns:r="http://schemas.openxmlformats.org/officeDocument/2006/relationships" xmlns:p="http://schemas.openxmlformats.org/presentationml/2006/main">
   <p:cSld>
     <p:spTree>
@@ -8113,7 +9072,7 @@
           <a:graphicData uri="http://schemas.openxmlformats.org/presentationml/2006/ole">
             <mc:AlternateContent xmlns:mc="http://schemas.openxmlformats.org/markup-compatibility/2006">
               <mc:Choice xmlns:v="urn:schemas-microsoft-com:vml" Requires="v">
-                <p:oleObj spid="_x0000_s3074" name="Equation" r:id="rId4" imgW="3543120" imgH="342720" progId="Equation.DSMT4">
+                <p:oleObj spid="_x0000_s3078" name="Equation" r:id="rId4" imgW="3543120" imgH="342720" progId="Equation.DSMT4">
                   <p:embed/>
                 </p:oleObj>
               </mc:Choice>
@@ -8443,7 +9402,7 @@
 </p:sld>
 </file>
 
-<file path=ppt/slides/slide16.xml><?xml version="1.0" encoding="utf-8"?>
+<file path=ppt/slides/slide17.xml><?xml version="1.0" encoding="utf-8"?>
 <p:sld xmlns:a="http://schemas.openxmlformats.org/drawingml/2006/main" xmlns:r="http://schemas.openxmlformats.org/officeDocument/2006/relationships" xmlns:p="http://schemas.openxmlformats.org/presentationml/2006/main">
   <p:cSld>
     <p:spTree>
@@ -8739,6 +9698,10 @@
               <a:rPr kumimoji="0" lang="ko-KR" altLang="en-US" dirty="0"/>
               <a:t>장</a:t>
             </a:r>
+            <a:r>
+              <a:rPr kumimoji="0" lang="en-US" altLang="ko-KR" dirty="0"/>
+              <a:t/>
+            </a:r>
             <a:br>
               <a:rPr kumimoji="0" lang="en-US" altLang="ko-KR" dirty="0"/>
             </a:br>
@@ -8866,106 +9829,6 @@
                 <a:ea typeface="+mn-ea"/>
               </a:rPr>
               <a:t>감마분포</a:t>
-            </a:r>
-            <a:r>
-              <a:rPr lang="en-US" altLang="ko-KR" sz="2400" b="1" dirty="0">
-                <a:latin typeface="+mn-ea"/>
-                <a:ea typeface="+mn-ea"/>
-              </a:rPr>
-              <a:t>*</a:t>
-            </a:r>
-            <a:endParaRPr lang="ko-KR" altLang="en-US" sz="2400" b="1" dirty="0">
-              <a:latin typeface="+mn-ea"/>
-              <a:ea typeface="+mn-ea"/>
-            </a:endParaRPr>
-          </a:p>
-        </p:txBody>
-      </p:sp>
-      <p:sp>
-        <p:nvSpPr>
-          <p:cNvPr id="13" name="TextBox 12"/>
-          <p:cNvSpPr txBox="1"/>
-          <p:nvPr/>
-        </p:nvSpPr>
-        <p:spPr>
-          <a:xfrm>
-            <a:off x="1580404" y="4304199"/>
-            <a:ext cx="2952328" cy="461665"/>
-          </a:xfrm>
-          <a:prstGeom prst="rect">
-            <a:avLst/>
-          </a:prstGeom>
-          <a:noFill/>
-        </p:spPr>
-        <p:txBody>
-          <a:bodyPr wrap="square" rtlCol="0">
-            <a:spAutoFit/>
-          </a:bodyPr>
-          <a:lstStyle/>
-          <a:p>
-            <a:r>
-              <a:rPr lang="en-US" altLang="ko-KR" sz="2400" b="1" dirty="0">
-                <a:latin typeface="+mn-ea"/>
-                <a:ea typeface="+mn-ea"/>
-              </a:rPr>
-              <a:t>4. </a:t>
-            </a:r>
-            <a:r>
-              <a:rPr lang="ko-KR" altLang="en-US" sz="2400" b="1" dirty="0" err="1">
-                <a:latin typeface="+mn-ea"/>
-                <a:ea typeface="+mn-ea"/>
-              </a:rPr>
-              <a:t>와이블분포</a:t>
-            </a:r>
-            <a:r>
-              <a:rPr lang="en-US" altLang="ko-KR" sz="2400" b="1" dirty="0">
-                <a:latin typeface="+mn-ea"/>
-                <a:ea typeface="+mn-ea"/>
-              </a:rPr>
-              <a:t>*</a:t>
-            </a:r>
-            <a:endParaRPr lang="ko-KR" altLang="en-US" sz="2400" b="1" dirty="0">
-              <a:latin typeface="+mn-ea"/>
-              <a:ea typeface="+mn-ea"/>
-            </a:endParaRPr>
-          </a:p>
-        </p:txBody>
-      </p:sp>
-      <p:sp>
-        <p:nvSpPr>
-          <p:cNvPr id="14" name="TextBox 13"/>
-          <p:cNvSpPr txBox="1"/>
-          <p:nvPr/>
-        </p:nvSpPr>
-        <p:spPr>
-          <a:xfrm>
-            <a:off x="1580404" y="4827419"/>
-            <a:ext cx="2952328" cy="461665"/>
-          </a:xfrm>
-          <a:prstGeom prst="rect">
-            <a:avLst/>
-          </a:prstGeom>
-          <a:noFill/>
-        </p:spPr>
-        <p:txBody>
-          <a:bodyPr wrap="square" rtlCol="0">
-            <a:spAutoFit/>
-          </a:bodyPr>
-          <a:lstStyle/>
-          <a:p>
-            <a:r>
-              <a:rPr lang="en-US" altLang="ko-KR" sz="2400" b="1" dirty="0">
-                <a:latin typeface="+mn-ea"/>
-                <a:ea typeface="+mn-ea"/>
-              </a:rPr>
-              <a:t>5. </a:t>
-            </a:r>
-            <a:r>
-              <a:rPr lang="ko-KR" altLang="en-US" sz="2400" b="1" dirty="0">
-                <a:latin typeface="+mn-ea"/>
-                <a:ea typeface="+mn-ea"/>
-              </a:rPr>
-              <a:t>베타분포</a:t>
             </a:r>
             <a:r>
               <a:rPr lang="en-US" altLang="ko-KR" sz="2400" b="1" dirty="0">
@@ -9359,7 +10222,7 @@
           <a:graphicData uri="http://schemas.openxmlformats.org/presentationml/2006/ole">
             <mc:AlternateContent xmlns:mc="http://schemas.openxmlformats.org/markup-compatibility/2006">
               <mc:Choice xmlns:v="urn:schemas-microsoft-com:vml" Requires="v">
-                <p:oleObj spid="_x0000_s1026" name="Equation" r:id="rId3" imgW="1473120" imgH="342720" progId="Equation.DSMT4">
+                <p:oleObj spid="_x0000_s1030" name="Equation" r:id="rId3" imgW="1473120" imgH="342720" progId="Equation.DSMT4">
                   <p:embed/>
                 </p:oleObj>
               </mc:Choice>
@@ -11320,7 +12183,7 @@
           <a:graphicData uri="http://schemas.openxmlformats.org/presentationml/2006/ole">
             <mc:AlternateContent xmlns:mc="http://schemas.openxmlformats.org/markup-compatibility/2006">
               <mc:Choice xmlns:v="urn:schemas-microsoft-com:vml" Requires="v">
-                <p:oleObj spid="_x0000_s2050" name="Equation" r:id="rId3" imgW="1498320" imgH="342720" progId="Equation.DSMT4">
+                <p:oleObj spid="_x0000_s2054" name="Equation" r:id="rId3" imgW="1498320" imgH="342720" progId="Equation.DSMT4">
                   <p:embed/>
                 </p:oleObj>
               </mc:Choice>
@@ -12403,7 +13266,7 @@
           <a:p>
             <a:r>
               <a:rPr lang="en-US" altLang="ko-KR" dirty="0"/>
-              <a:t>2. </a:t>
+              <a:t>7.2 </a:t>
             </a:r>
             <a:r>
               <a:rPr lang="ko-KR" altLang="en-US" dirty="0"/>
@@ -13320,7 +14183,7 @@
     </p:spTree>
     <p:extLst>
       <p:ext uri="{BB962C8B-B14F-4D97-AF65-F5344CB8AC3E}">
-        <p14:creationId xmlns:p14="http://schemas.microsoft.com/office/powerpoint/2010/main" val="557243368"/>
+        <p14:creationId xmlns:p14="http://schemas.microsoft.com/office/powerpoint/2010/main" val="474779165"/>
       </p:ext>
     </p:extLst>
   </p:cSld>
